--- a/Entwurf/Presentation.pptx
+++ b/Entwurf/Presentation.pptx
@@ -5,7 +5,7 @@
     <p:sldMasterId id="2147483660" r:id="rId1"/>
   </p:sldMasterIdLst>
   <p:notesMasterIdLst>
-    <p:notesMasterId r:id="rId11"/>
+    <p:notesMasterId r:id="rId12"/>
   </p:notesMasterIdLst>
   <p:sldIdLst>
     <p:sldId id="256" r:id="rId2"/>
@@ -14,9 +14,10 @@
     <p:sldId id="279" r:id="rId5"/>
     <p:sldId id="280" r:id="rId6"/>
     <p:sldId id="281" r:id="rId7"/>
-    <p:sldId id="276" r:id="rId8"/>
-    <p:sldId id="282" r:id="rId9"/>
-    <p:sldId id="283" r:id="rId10"/>
+    <p:sldId id="285" r:id="rId8"/>
+    <p:sldId id="286" r:id="rId9"/>
+    <p:sldId id="282" r:id="rId10"/>
+    <p:sldId id="283" r:id="rId11"/>
   </p:sldIdLst>
   <p:sldSz cx="9144000" cy="6858000" type="screen4x3"/>
   <p:notesSz cx="6858000" cy="9144000"/>
@@ -1817,6 +1818,151 @@
 </p:sld>
 </file>
 
+<file path=ppt/slides/slide10.xml><?xml version="1.0" encoding="utf-8"?>
+<p:sld xmlns:a="http://schemas.openxmlformats.org/drawingml/2006/main" xmlns:r="http://schemas.openxmlformats.org/officeDocument/2006/relationships" xmlns:p="http://schemas.openxmlformats.org/presentationml/2006/main">
+  <p:cSld>
+    <p:spTree>
+      <p:nvGrpSpPr>
+        <p:cNvPr id="1" name=""/>
+        <p:cNvGrpSpPr/>
+        <p:nvPr/>
+      </p:nvGrpSpPr>
+      <p:grpSpPr>
+        <a:xfrm>
+          <a:off x="0" y="0"/>
+          <a:ext cx="0" cy="0"/>
+          <a:chOff x="0" y="0"/>
+          <a:chExt cx="0" cy="0"/>
+        </a:xfrm>
+      </p:grpSpPr>
+      <p:sp>
+        <p:nvSpPr>
+          <p:cNvPr id="2" name="Titel 1"/>
+          <p:cNvSpPr>
+            <a:spLocks noGrp="1"/>
+          </p:cNvSpPr>
+          <p:nvPr>
+            <p:ph type="title"/>
+          </p:nvPr>
+        </p:nvSpPr>
+        <p:spPr/>
+        <p:txBody>
+          <a:bodyPr/>
+          <a:lstStyle/>
+          <a:p>
+            <a:r>
+              <a:rPr lang="de-DE" dirty="0"/>
+              <a:t>JSON</a:t>
+            </a:r>
+          </a:p>
+        </p:txBody>
+      </p:sp>
+      <p:sp>
+        <p:nvSpPr>
+          <p:cNvPr id="3" name="Inhaltsplatzhalter 2"/>
+          <p:cNvSpPr>
+            <a:spLocks noGrp="1"/>
+          </p:cNvSpPr>
+          <p:nvPr>
+            <p:ph idx="1"/>
+          </p:nvPr>
+        </p:nvSpPr>
+        <p:spPr/>
+        <p:txBody>
+          <a:bodyPr/>
+          <a:lstStyle/>
+          <a:p>
+            <a:endParaRPr lang="de-DE"/>
+          </a:p>
+        </p:txBody>
+      </p:sp>
+      <p:sp>
+        <p:nvSpPr>
+          <p:cNvPr id="4" name="Datumsplatzhalter 3"/>
+          <p:cNvSpPr>
+            <a:spLocks noGrp="1"/>
+          </p:cNvSpPr>
+          <p:nvPr>
+            <p:ph type="dt" sz="half" idx="10"/>
+          </p:nvPr>
+        </p:nvSpPr>
+        <p:spPr/>
+        <p:txBody>
+          <a:bodyPr/>
+          <a:lstStyle/>
+          <a:p>
+            <a:r>
+              <a:rPr lang="de-DE"/>
+              <a:t>11.01.2017</a:t>
+            </a:r>
+          </a:p>
+        </p:txBody>
+      </p:sp>
+      <p:sp>
+        <p:nvSpPr>
+          <p:cNvPr id="5" name="Fußzeilenplatzhalter 4"/>
+          <p:cNvSpPr>
+            <a:spLocks noGrp="1"/>
+          </p:cNvSpPr>
+          <p:nvPr>
+            <p:ph type="ftr" sz="quarter" idx="11"/>
+          </p:nvPr>
+        </p:nvSpPr>
+        <p:spPr/>
+        <p:txBody>
+          <a:bodyPr/>
+          <a:lstStyle/>
+          <a:p>
+            <a:r>
+              <a:rPr lang="de-DE" sz="500" i="1"/>
+              <a:t>Studienplan als Generierung von Workflows mit Compliance-Anforderungen: Planerstellung und Visualisierung </a:t>
+            </a:r>
+          </a:p>
+          <a:p>
+            <a:r>
+              <a:rPr lang="de-DE" sz="600"/>
+              <a:t>Entwurfspräsentation - Hannes Kuchelmeister</a:t>
+            </a:r>
+            <a:endParaRPr lang="de-DE" sz="600" dirty="0"/>
+          </a:p>
+        </p:txBody>
+      </p:sp>
+      <p:sp>
+        <p:nvSpPr>
+          <p:cNvPr id="6" name="Foliennummernplatzhalter 5"/>
+          <p:cNvSpPr>
+            <a:spLocks noGrp="1"/>
+          </p:cNvSpPr>
+          <p:nvPr>
+            <p:ph type="sldNum" sz="quarter" idx="12"/>
+          </p:nvPr>
+        </p:nvSpPr>
+        <p:spPr/>
+        <p:txBody>
+          <a:bodyPr/>
+          <a:lstStyle/>
+          <a:p>
+            <a:fld id="{F3FA9306-867D-4B2C-AADB-CE522745B8B8}" type="slidenum">
+              <a:rPr lang="de-DE" smtClean="0"/>
+              <a:t>10</a:t>
+            </a:fld>
+            <a:endParaRPr lang="de-DE"/>
+          </a:p>
+        </p:txBody>
+      </p:sp>
+    </p:spTree>
+    <p:extLst>
+      <p:ext uri="{BB962C8B-B14F-4D97-AF65-F5344CB8AC3E}">
+        <p14:creationId xmlns:p14="http://schemas.microsoft.com/office/powerpoint/2010/main" val="874809195"/>
+      </p:ext>
+    </p:extLst>
+  </p:cSld>
+  <p:clrMapOvr>
+    <a:masterClrMapping/>
+  </p:clrMapOvr>
+</p:sld>
+</file>
+
 <file path=ppt/slides/slide2.xml><?xml version="1.0" encoding="utf-8"?>
 <p:sld xmlns:a="http://schemas.openxmlformats.org/drawingml/2006/main" xmlns:r="http://schemas.openxmlformats.org/officeDocument/2006/relationships" xmlns:p="http://schemas.openxmlformats.org/presentationml/2006/main">
   <p:cSld>
@@ -2561,223 +2707,566 @@
       </p:grpSpPr>
       <p:sp>
         <p:nvSpPr>
-          <p:cNvPr id="2" name="Titel 1"/>
-          <p:cNvSpPr>
-            <a:spLocks noGrp="1"/>
-          </p:cNvSpPr>
-          <p:nvPr>
-            <p:ph type="title"/>
-          </p:nvPr>
-        </p:nvSpPr>
-        <p:spPr/>
-        <p:txBody>
-          <a:bodyPr/>
-          <a:lstStyle/>
-          <a:p>
-            <a:r>
-              <a:rPr lang="en-US" dirty="0" err="1"/>
-              <a:t>Externe</a:t>
-            </a:r>
-            <a:r>
-              <a:rPr lang="en-US" dirty="0"/>
-              <a:t> </a:t>
-            </a:r>
-            <a:r>
-              <a:rPr lang="en-US" dirty="0" err="1"/>
-              <a:t>Resourcen</a:t>
-            </a:r>
-            <a:endParaRPr lang="de-DE" dirty="0"/>
-          </a:p>
-        </p:txBody>
-      </p:sp>
-      <p:sp>
-        <p:nvSpPr>
-          <p:cNvPr id="4" name="Datumsplatzhalter 3"/>
-          <p:cNvSpPr>
-            <a:spLocks noGrp="1"/>
-          </p:cNvSpPr>
-          <p:nvPr>
-            <p:ph type="dt" sz="half" idx="10"/>
-          </p:nvPr>
-        </p:nvSpPr>
-        <p:spPr/>
-        <p:txBody>
-          <a:bodyPr/>
-          <a:lstStyle/>
-          <a:p>
-            <a:r>
-              <a:rPr lang="de-DE"/>
-              <a:t>11.01.2017</a:t>
-            </a:r>
-          </a:p>
-        </p:txBody>
-      </p:sp>
-      <p:sp>
-        <p:nvSpPr>
-          <p:cNvPr id="5" name="Fußzeilenplatzhalter 4"/>
-          <p:cNvSpPr>
-            <a:spLocks noGrp="1"/>
-          </p:cNvSpPr>
-          <p:nvPr>
-            <p:ph type="ftr" sz="quarter" idx="11"/>
-          </p:nvPr>
-        </p:nvSpPr>
-        <p:spPr/>
-        <p:txBody>
-          <a:bodyPr/>
-          <a:lstStyle/>
-          <a:p>
-            <a:r>
-              <a:rPr lang="de-DE" sz="500" i="1"/>
-              <a:t>Studienplan als Generierung von Workflows mit Compliance-Anforderungen: Planerstellung und Visualisierung </a:t>
-            </a:r>
-          </a:p>
-          <a:p>
-            <a:r>
-              <a:rPr lang="de-DE" sz="600"/>
-              <a:t>Entwurfspräsentation - Hannes Kuchelmeister</a:t>
-            </a:r>
-            <a:endParaRPr lang="de-DE" sz="600" dirty="0"/>
-          </a:p>
-        </p:txBody>
-      </p:sp>
-      <p:sp>
-        <p:nvSpPr>
-          <p:cNvPr id="6" name="Foliennummernplatzhalter 5"/>
-          <p:cNvSpPr>
-            <a:spLocks noGrp="1"/>
-          </p:cNvSpPr>
-          <p:nvPr>
-            <p:ph type="sldNum" sz="quarter" idx="12"/>
-          </p:nvPr>
-        </p:nvSpPr>
-        <p:spPr/>
-        <p:txBody>
-          <a:bodyPr/>
-          <a:lstStyle/>
-          <a:p>
-            <a:fld id="{F3FA9306-867D-4B2C-AADB-CE522745B8B8}" type="slidenum">
-              <a:rPr lang="de-DE" smtClean="0"/>
-              <a:t>7</a:t>
-            </a:fld>
-            <a:endParaRPr lang="de-DE"/>
-          </a:p>
-        </p:txBody>
-      </p:sp>
-      <p:pic>
-        <p:nvPicPr>
-          <p:cNvPr id="1026" name="Picture 2" descr="File:BackboneJS logo.png"/>
-          <p:cNvPicPr>
-            <a:picLocks noChangeAspect="1" noChangeArrowheads="1"/>
-          </p:cNvPicPr>
-          <p:nvPr/>
-        </p:nvPicPr>
-        <p:blipFill>
-          <a:blip r:embed="rId2">
-            <a:extLst>
-              <a:ext uri="{28A0092B-C50C-407E-A947-70E740481C1C}">
-                <a14:useLocalDpi xmlns:a14="http://schemas.microsoft.com/office/drawing/2010/main" val="0"/>
-              </a:ext>
-            </a:extLst>
-          </a:blip>
-          <a:srcRect/>
-          <a:stretch>
-            <a:fillRect/>
-          </a:stretch>
-        </p:blipFill>
-        <p:spPr bwMode="auto">
+          <p:cNvPr id="10" name="Rectangle 9"/>
+          <p:cNvSpPr>
+            <a:spLocks noGrp="1" noRot="1" noChangeAspect="1" noMove="1" noResize="1" noEditPoints="1" noAdjustHandles="1" noChangeArrowheads="1" noChangeShapeType="1" noTextEdit="1"/>
+          </p:cNvSpPr>
+          <p:nvPr>
+            <p:extLst>
+              <p:ext uri="{386F3935-93C4-4BCD-93E2-E3B085C9AB24}">
+                <p16:designElem xmlns:p16="http://schemas.microsoft.com/office/powerpoint/2015/main" val="1"/>
+              </p:ext>
+            </p:extLst>
+          </p:nvPr>
+        </p:nvSpPr>
+        <p:spPr bwMode="white">
           <a:xfrm>
-            <a:off x="4635406" y="2512414"/>
-            <a:ext cx="3645087" cy="648625"/>
+            <a:off x="0" y="0"/>
+            <a:ext cx="9144000" cy="6858000"/>
           </a:xfrm>
           <a:prstGeom prst="rect">
             <a:avLst/>
           </a:prstGeom>
-          <a:noFill/>
-          <a:extLst>
-            <a:ext uri="{909E8E84-426E-40DD-AFC4-6F175D3DCCD1}">
-              <a14:hiddenFill xmlns:a14="http://schemas.microsoft.com/office/drawing/2010/main">
-                <a:solidFill>
-                  <a:srgbClr val="FFFFFF"/>
-                </a:solidFill>
-              </a14:hiddenFill>
-            </a:ext>
-          </a:extLst>
+          <a:solidFill>
+            <a:schemeClr val="bg1"/>
+          </a:solidFill>
+          <a:ln>
+            <a:noFill/>
+          </a:ln>
+          <a:effectLst/>
         </p:spPr>
-      </p:pic>
-      <p:pic>
-        <p:nvPicPr>
-          <p:cNvPr id="1030" name="Picture 6" descr="File:Hibernate logo a.png"/>
-          <p:cNvPicPr>
-            <a:picLocks noChangeAspect="1" noChangeArrowheads="1"/>
-          </p:cNvPicPr>
-          <p:nvPr/>
-        </p:nvPicPr>
-        <p:blipFill rotWithShape="1">
-          <a:blip r:embed="rId3">
-            <a:extLst>
-              <a:ext uri="{28A0092B-C50C-407E-A947-70E740481C1C}">
-                <a14:useLocalDpi xmlns:a14="http://schemas.microsoft.com/office/drawing/2010/main" val="0"/>
-              </a:ext>
-            </a:extLst>
-          </a:blip>
-          <a:srcRect l="4117" r="3569"/>
-          <a:stretch/>
-        </p:blipFill>
-        <p:spPr bwMode="auto">
+      </p:sp>
+      <p:sp>
+        <p:nvSpPr>
+          <p:cNvPr id="11" name="Rectangle 10"/>
+          <p:cNvSpPr>
+            <a:spLocks noGrp="1" noRot="1" noChangeAspect="1" noMove="1" noResize="1" noEditPoints="1" noAdjustHandles="1" noChangeArrowheads="1" noChangeShapeType="1" noTextEdit="1"/>
+          </p:cNvSpPr>
+          <p:nvPr>
+            <p:extLst>
+              <p:ext uri="{386F3935-93C4-4BCD-93E2-E3B085C9AB24}">
+                <p16:designElem xmlns:p16="http://schemas.microsoft.com/office/powerpoint/2015/main" val="1"/>
+              </p:ext>
+            </p:extLst>
+          </p:nvPr>
+        </p:nvSpPr>
+        <p:spPr>
           <a:xfrm>
-            <a:off x="2307478" y="3475653"/>
-            <a:ext cx="3645087" cy="1095733"/>
+            <a:off x="0" y="4242816"/>
+            <a:ext cx="9144000" cy="2615184"/>
           </a:xfrm>
           <a:prstGeom prst="rect">
             <a:avLst/>
           </a:prstGeom>
-          <a:noFill/>
-          <a:extLst>
-            <a:ext uri="{909E8E84-426E-40DD-AFC4-6F175D3DCCD1}">
-              <a14:hiddenFill xmlns:a14="http://schemas.microsoft.com/office/drawing/2010/main">
+          <a:solidFill>
+            <a:schemeClr val="bg1">
+              <a:lumMod val="95000"/>
+            </a:schemeClr>
+          </a:solidFill>
+          <a:ln>
+            <a:noFill/>
+          </a:ln>
+        </p:spPr>
+        <p:style>
+          <a:lnRef idx="2">
+            <a:schemeClr val="accent1">
+              <a:shade val="50000"/>
+            </a:schemeClr>
+          </a:lnRef>
+          <a:fillRef idx="1">
+            <a:schemeClr val="accent1"/>
+          </a:fillRef>
+          <a:effectRef idx="0">
+            <a:schemeClr val="accent1"/>
+          </a:effectRef>
+          <a:fontRef idx="minor">
+            <a:schemeClr val="lt1"/>
+          </a:fontRef>
+        </p:style>
+        <p:txBody>
+          <a:bodyPr rtlCol="0" anchor="ctr"/>
+          <a:lstStyle/>
+          <a:p>
+            <a:pPr algn="ctr"/>
+            <a:endParaRPr lang="en-US">
+              <a:solidFill>
+                <a:schemeClr val="tx1"/>
+              </a:solidFill>
+            </a:endParaRPr>
+          </a:p>
+        </p:txBody>
+      </p:sp>
+      <p:sp>
+        <p:nvSpPr>
+          <p:cNvPr id="3" name="Datumsplatzhalter 2"/>
+          <p:cNvSpPr>
+            <a:spLocks noGrp="1"/>
+          </p:cNvSpPr>
+          <p:nvPr>
+            <p:ph type="dt" sz="half" idx="10"/>
+          </p:nvPr>
+        </p:nvSpPr>
+        <p:spPr>
+          <a:xfrm>
+            <a:off x="628650" y="6356351"/>
+            <a:ext cx="2057400" cy="365125"/>
+          </a:xfrm>
+        </p:spPr>
+        <p:txBody>
+          <a:bodyPr vert="horz" lIns="91440" tIns="45720" rIns="91440" bIns="45720" rtlCol="0" anchor="ctr">
+            <a:normAutofit/>
+          </a:bodyPr>
+          <a:lstStyle/>
+          <a:p>
+            <a:pPr defTabSz="914400"/>
+            <a:r>
+              <a:rPr lang="en-US">
                 <a:solidFill>
-                  <a:srgbClr val="FFFFFF"/>
+                  <a:schemeClr val="tx1">
+                    <a:lumMod val="50000"/>
+                    <a:lumOff val="50000"/>
+                  </a:schemeClr>
                 </a:solidFill>
-              </a14:hiddenFill>
-            </a:ext>
-          </a:extLst>
+              </a:rPr>
+              <a:t>11.01.2017</a:t>
+            </a:r>
+          </a:p>
+        </p:txBody>
+      </p:sp>
+      <p:sp>
+        <p:nvSpPr>
+          <p:cNvPr id="4" name="Fußzeilenplatzhalter 3"/>
+          <p:cNvSpPr>
+            <a:spLocks noGrp="1"/>
+          </p:cNvSpPr>
+          <p:nvPr>
+            <p:ph type="ftr" sz="quarter" idx="11"/>
+          </p:nvPr>
+        </p:nvSpPr>
+        <p:spPr>
+          <a:xfrm>
+            <a:off x="3028950" y="6356351"/>
+            <a:ext cx="3086100" cy="365125"/>
+          </a:xfrm>
         </p:spPr>
-      </p:pic>
-      <p:pic>
-        <p:nvPicPr>
-          <p:cNvPr id="8" name="Grafik 7"/>
-          <p:cNvPicPr>
-            <a:picLocks noChangeAspect="1"/>
-          </p:cNvPicPr>
+        <p:txBody>
+          <a:bodyPr vert="horz" lIns="91440" tIns="45720" rIns="91440" bIns="45720" rtlCol="0" anchor="ctr">
+            <a:normAutofit/>
+          </a:bodyPr>
+          <a:lstStyle/>
+          <a:p>
+            <a:pPr defTabSz="914400">
+              <a:lnSpc>
+                <a:spcPct val="80000"/>
+              </a:lnSpc>
+            </a:pPr>
+            <a:r>
+              <a:rPr lang="en-US" i="1" kern="1200">
+                <a:solidFill>
+                  <a:schemeClr val="tx1">
+                    <a:lumMod val="50000"/>
+                    <a:lumOff val="50000"/>
+                  </a:schemeClr>
+                </a:solidFill>
+                <a:latin typeface="+mn-lt"/>
+                <a:ea typeface="+mn-ea"/>
+                <a:cs typeface="+mn-cs"/>
+              </a:rPr>
+              <a:t>Studienplan als Generierung von Workflows mit Compliance-Anforderungen: Planerstellung und Visualisierung </a:t>
+            </a:r>
+          </a:p>
+          <a:p>
+            <a:pPr defTabSz="914400">
+              <a:lnSpc>
+                <a:spcPct val="80000"/>
+              </a:lnSpc>
+            </a:pPr>
+            <a:r>
+              <a:rPr lang="en-US" kern="1200">
+                <a:solidFill>
+                  <a:schemeClr val="tx1">
+                    <a:lumMod val="50000"/>
+                    <a:lumOff val="50000"/>
+                  </a:schemeClr>
+                </a:solidFill>
+                <a:latin typeface="+mn-lt"/>
+                <a:ea typeface="+mn-ea"/>
+                <a:cs typeface="+mn-cs"/>
+              </a:rPr>
+              <a:t>Entwurfspräsentation - Hannes Kuchelmeister</a:t>
+            </a:r>
+          </a:p>
+        </p:txBody>
+      </p:sp>
+      <p:sp>
+        <p:nvSpPr>
+          <p:cNvPr id="5" name="Foliennummernplatzhalter 4"/>
+          <p:cNvSpPr>
+            <a:spLocks noGrp="1"/>
+          </p:cNvSpPr>
+          <p:nvPr>
+            <p:ph type="sldNum" sz="quarter" idx="12"/>
+          </p:nvPr>
+        </p:nvSpPr>
+        <p:spPr>
+          <a:xfrm>
+            <a:off x="6457950" y="6356351"/>
+            <a:ext cx="2057400" cy="365125"/>
+          </a:xfrm>
+        </p:spPr>
+        <p:txBody>
+          <a:bodyPr vert="horz" lIns="91440" tIns="45720" rIns="91440" bIns="45720" rtlCol="0" anchor="ctr">
+            <a:normAutofit/>
+          </a:bodyPr>
+          <a:lstStyle/>
+          <a:p>
+            <a:pPr defTabSz="914400"/>
+            <a:fld id="{F3FA9306-867D-4B2C-AADB-CE522745B8B8}" type="slidenum">
+              <a:rPr lang="en-US">
+                <a:solidFill>
+                  <a:schemeClr val="tx1">
+                    <a:lumMod val="50000"/>
+                    <a:lumOff val="50000"/>
+                  </a:schemeClr>
+                </a:solidFill>
+              </a:rPr>
+              <a:pPr defTabSz="914400"/>
+              <a:t>7</a:t>
+            </a:fld>
+            <a:endParaRPr lang="en-US">
+              <a:solidFill>
+                <a:schemeClr val="tx1">
+                  <a:lumMod val="50000"/>
+                  <a:lumOff val="50000"/>
+                </a:schemeClr>
+              </a:solidFill>
+            </a:endParaRPr>
+          </a:p>
+        </p:txBody>
+      </p:sp>
+      <p:grpSp>
+        <p:nvGrpSpPr>
+          <p:cNvPr id="9" name="Gruppieren 8"/>
+          <p:cNvGrpSpPr/>
           <p:nvPr/>
-        </p:nvPicPr>
-        <p:blipFill>
-          <a:blip r:embed="rId4">
+        </p:nvGrpSpPr>
+        <p:grpSpPr>
+          <a:xfrm>
+            <a:off x="1178485" y="339403"/>
+            <a:ext cx="7009279" cy="3516177"/>
+            <a:chOff x="1178485" y="339403"/>
+            <a:chExt cx="7009279" cy="3516177"/>
+          </a:xfrm>
+        </p:grpSpPr>
+        <p:pic>
+          <p:nvPicPr>
+            <p:cNvPr id="14" name="Picture 2" descr="File:BackboneJS logo.png"/>
+            <p:cNvPicPr>
+              <a:picLocks noChangeAspect="1" noChangeArrowheads="1"/>
+            </p:cNvPicPr>
+            <p:nvPr/>
+          </p:nvPicPr>
+          <p:blipFill>
+            <a:blip r:embed="rId2">
+              <a:extLst>
+                <a:ext uri="{28A0092B-C50C-407E-A947-70E740481C1C}">
+                  <a14:useLocalDpi xmlns:a14="http://schemas.microsoft.com/office/drawing/2010/main" val="0"/>
+                </a:ext>
+              </a:extLst>
+            </a:blip>
+            <a:srcRect/>
+            <a:stretch>
+              <a:fillRect/>
+            </a:stretch>
+          </p:blipFill>
+          <p:spPr bwMode="auto">
+            <a:xfrm>
+              <a:off x="3459567" y="339403"/>
+              <a:ext cx="2206045" cy="392555"/>
+            </a:xfrm>
+            <a:prstGeom prst="rect">
+              <a:avLst/>
+            </a:prstGeom>
+            <a:noFill/>
             <a:extLst>
-              <a:ext uri="{28A0092B-C50C-407E-A947-70E740481C1C}">
-                <a14:useLocalDpi xmlns:a14="http://schemas.microsoft.com/office/drawing/2010/main" val="0"/>
+              <a:ext uri="{909E8E84-426E-40DD-AFC4-6F175D3DCCD1}">
+                <a14:hiddenFill xmlns:a14="http://schemas.microsoft.com/office/drawing/2010/main">
+                  <a:solidFill>
+                    <a:srgbClr val="FFFFFF"/>
+                  </a:solidFill>
+                </a14:hiddenFill>
               </a:ext>
             </a:extLst>
-          </a:blip>
-          <a:stretch>
-            <a:fillRect/>
-          </a:stretch>
-        </p:blipFill>
+          </p:spPr>
+        </p:pic>
+        <p:pic>
+          <p:nvPicPr>
+            <p:cNvPr id="15" name="Picture 2" descr="https://upload.wikimedia.org/wikipedia/de/thumb/f/fd/JQuery-Logo.svg/2000px-JQuery-Logo.svg.png"/>
+            <p:cNvPicPr>
+              <a:picLocks noChangeAspect="1" noChangeArrowheads="1"/>
+            </p:cNvPicPr>
+            <p:nvPr/>
+          </p:nvPicPr>
+          <p:blipFill>
+            <a:blip r:embed="rId3">
+              <a:extLst>
+                <a:ext uri="{28A0092B-C50C-407E-A947-70E740481C1C}">
+                  <a14:useLocalDpi xmlns:a14="http://schemas.microsoft.com/office/drawing/2010/main" val="0"/>
+                </a:ext>
+              </a:extLst>
+            </a:blip>
+            <a:srcRect/>
+            <a:stretch>
+              <a:fillRect/>
+            </a:stretch>
+          </p:blipFill>
+          <p:spPr bwMode="auto">
+            <a:xfrm>
+              <a:off x="1178485" y="1826500"/>
+              <a:ext cx="2003624" cy="506883"/>
+            </a:xfrm>
+            <a:prstGeom prst="rect">
+              <a:avLst/>
+            </a:prstGeom>
+            <a:noFill/>
+            <a:extLst>
+              <a:ext uri="{909E8E84-426E-40DD-AFC4-6F175D3DCCD1}">
+                <a14:hiddenFill xmlns:a14="http://schemas.microsoft.com/office/drawing/2010/main">
+                  <a:solidFill>
+                    <a:srgbClr val="FFFFFF"/>
+                  </a:solidFill>
+                </a14:hiddenFill>
+              </a:ext>
+            </a:extLst>
+          </p:spPr>
+        </p:pic>
+        <p:pic>
+          <p:nvPicPr>
+            <p:cNvPr id="16" name="Picture 6" descr="http://underscorejs.org/docs/images/underscore.png"/>
+            <p:cNvPicPr>
+              <a:picLocks noChangeAspect="1" noChangeArrowheads="1"/>
+            </p:cNvPicPr>
+            <p:nvPr/>
+          </p:nvPicPr>
+          <p:blipFill>
+            <a:blip r:embed="rId4">
+              <a:extLst>
+                <a:ext uri="{28A0092B-C50C-407E-A947-70E740481C1C}">
+                  <a14:useLocalDpi xmlns:a14="http://schemas.microsoft.com/office/drawing/2010/main" val="0"/>
+                </a:ext>
+              </a:extLst>
+            </a:blip>
+            <a:srcRect/>
+            <a:stretch>
+              <a:fillRect/>
+            </a:stretch>
+          </p:blipFill>
+          <p:spPr bwMode="auto">
+            <a:xfrm>
+              <a:off x="6009523" y="1890171"/>
+              <a:ext cx="2178241" cy="379542"/>
+            </a:xfrm>
+            <a:prstGeom prst="rect">
+              <a:avLst/>
+            </a:prstGeom>
+            <a:noFill/>
+            <a:extLst>
+              <a:ext uri="{909E8E84-426E-40DD-AFC4-6F175D3DCCD1}">
+                <a14:hiddenFill xmlns:a14="http://schemas.microsoft.com/office/drawing/2010/main">
+                  <a:solidFill>
+                    <a:srgbClr val="FFFFFF"/>
+                  </a:solidFill>
+                </a14:hiddenFill>
+              </a:ext>
+            </a:extLst>
+          </p:spPr>
+        </p:pic>
+        <p:pic>
+          <p:nvPicPr>
+            <p:cNvPr id="17" name="Picture 10" descr="https://upload.wikimedia.org/wikipedia/en/thumb/7/72/JQuery_UI_Logo.svg/1280px-JQuery_UI_Logo.svg.png"/>
+            <p:cNvPicPr>
+              <a:picLocks noChangeAspect="1" noChangeArrowheads="1"/>
+            </p:cNvPicPr>
+            <p:nvPr/>
+          </p:nvPicPr>
+          <p:blipFill>
+            <a:blip r:embed="rId5">
+              <a:extLst>
+                <a:ext uri="{28A0092B-C50C-407E-A947-70E740481C1C}">
+                  <a14:useLocalDpi xmlns:a14="http://schemas.microsoft.com/office/drawing/2010/main" val="0"/>
+                </a:ext>
+              </a:extLst>
+            </a:blip>
+            <a:srcRect/>
+            <a:stretch>
+              <a:fillRect/>
+            </a:stretch>
+          </p:blipFill>
+          <p:spPr bwMode="auto">
+            <a:xfrm>
+              <a:off x="3491584" y="3346916"/>
+              <a:ext cx="2142013" cy="508664"/>
+            </a:xfrm>
+            <a:prstGeom prst="rect">
+              <a:avLst/>
+            </a:prstGeom>
+            <a:noFill/>
+            <a:extLst>
+              <a:ext uri="{909E8E84-426E-40DD-AFC4-6F175D3DCCD1}">
+                <a14:hiddenFill xmlns:a14="http://schemas.microsoft.com/office/drawing/2010/main">
+                  <a:solidFill>
+                    <a:srgbClr val="FFFFFF"/>
+                  </a:solidFill>
+                </a14:hiddenFill>
+              </a:ext>
+            </a:extLst>
+          </p:spPr>
+        </p:pic>
+        <p:grpSp>
+          <p:nvGrpSpPr>
+            <p:cNvPr id="8" name="Gruppieren 7"/>
+            <p:cNvGrpSpPr/>
+            <p:nvPr/>
+          </p:nvGrpSpPr>
+          <p:grpSpPr>
+            <a:xfrm>
+              <a:off x="3304483" y="817981"/>
+              <a:ext cx="2524565" cy="2381431"/>
+              <a:chOff x="3304483" y="817981"/>
+              <a:chExt cx="2524565" cy="2381431"/>
+            </a:xfrm>
+          </p:grpSpPr>
+          <p:sp>
+            <p:nvSpPr>
+              <p:cNvPr id="13" name="Ellipse 12"/>
+              <p:cNvSpPr/>
+              <p:nvPr/>
+            </p:nvSpPr>
+            <p:spPr>
+              <a:xfrm>
+                <a:off x="3304483" y="817981"/>
+                <a:ext cx="2524565" cy="2381431"/>
+              </a:xfrm>
+              <a:prstGeom prst="ellipse">
+                <a:avLst/>
+              </a:prstGeom>
+              <a:noFill/>
+              <a:ln w="57150">
+                <a:solidFill>
+                  <a:schemeClr val="accent2"/>
+                </a:solidFill>
+              </a:ln>
+            </p:spPr>
+            <p:style>
+              <a:lnRef idx="2">
+                <a:schemeClr val="accent1">
+                  <a:shade val="50000"/>
+                </a:schemeClr>
+              </a:lnRef>
+              <a:fillRef idx="1">
+                <a:schemeClr val="accent1"/>
+              </a:fillRef>
+              <a:effectRef idx="0">
+                <a:schemeClr val="accent1"/>
+              </a:effectRef>
+              <a:fontRef idx="minor">
+                <a:schemeClr val="lt1"/>
+              </a:fontRef>
+            </p:style>
+            <p:txBody>
+              <a:bodyPr rtlCol="0" anchor="ctr"/>
+              <a:lstStyle/>
+              <a:p>
+                <a:pPr algn="ctr"/>
+                <a:endParaRPr lang="de-DE" dirty="0"/>
+              </a:p>
+            </p:txBody>
+          </p:sp>
+          <p:pic>
+            <p:nvPicPr>
+              <p:cNvPr id="18" name="Picture 20" descr="https://www.webgarage.ch/fileadmin/_processed_/csm_browserfenster-form_12d8813ff8.png"/>
+              <p:cNvPicPr>
+                <a:picLocks noChangeAspect="1" noChangeArrowheads="1"/>
+              </p:cNvPicPr>
+              <p:nvPr/>
+            </p:nvPicPr>
+            <p:blipFill>
+              <a:blip r:embed="rId6">
+                <a:extLst>
+                  <a:ext uri="{28A0092B-C50C-407E-A947-70E740481C1C}">
+                    <a14:useLocalDpi xmlns:a14="http://schemas.microsoft.com/office/drawing/2010/main" val="0"/>
+                  </a:ext>
+                </a:extLst>
+              </a:blip>
+              <a:srcRect/>
+              <a:stretch>
+                <a:fillRect/>
+              </a:stretch>
+            </p:blipFill>
+            <p:spPr bwMode="auto">
+              <a:xfrm>
+                <a:off x="3701080" y="1399002"/>
+                <a:ext cx="1723020" cy="1219273"/>
+              </a:xfrm>
+              <a:prstGeom prst="rect">
+                <a:avLst/>
+              </a:prstGeom>
+              <a:noFill/>
+              <a:extLst>
+                <a:ext uri="{909E8E84-426E-40DD-AFC4-6F175D3DCCD1}">
+                  <a14:hiddenFill xmlns:a14="http://schemas.microsoft.com/office/drawing/2010/main">
+                    <a:solidFill>
+                      <a:srgbClr val="FFFFFF"/>
+                    </a:solidFill>
+                  </a14:hiddenFill>
+                </a:ext>
+              </a:extLst>
+            </p:spPr>
+          </p:pic>
+        </p:grpSp>
+      </p:grpSp>
+      <p:sp>
+        <p:nvSpPr>
+          <p:cNvPr id="21" name="Titel 1"/>
+          <p:cNvSpPr>
+            <a:spLocks noGrp="1"/>
+          </p:cNvSpPr>
+          <p:nvPr>
+            <p:ph type="title"/>
+          </p:nvPr>
+        </p:nvSpPr>
         <p:spPr>
           <a:xfrm>
-            <a:off x="712321" y="2389486"/>
-            <a:ext cx="3190315" cy="894480"/>
+            <a:off x="530258" y="4783223"/>
+            <a:ext cx="8074058" cy="1207269"/>
           </a:xfrm>
-          <a:prstGeom prst="rect">
-            <a:avLst/>
-          </a:prstGeom>
         </p:spPr>
-      </p:pic>
+        <p:txBody>
+          <a:bodyPr vert="horz" lIns="91440" tIns="45720" rIns="91440" bIns="45720" rtlCol="0" anchor="b">
+            <a:normAutofit fontScale="90000"/>
+          </a:bodyPr>
+          <a:lstStyle/>
+          <a:p>
+            <a:pPr algn="ctr"/>
+            <a:r>
+              <a:rPr lang="en-US" sz="6000" dirty="0"/>
+              <a:t>Externe Ressourcen</a:t>
+            </a:r>
+            <a:br>
+              <a:rPr lang="en-US" sz="6000" dirty="0"/>
+            </a:br>
+            <a:r>
+              <a:rPr lang="en-US" sz="3100" dirty="0"/>
+              <a:t>Client</a:t>
+            </a:r>
+            <a:endParaRPr lang="en-US" sz="6000" dirty="0"/>
+          </a:p>
+        </p:txBody>
+      </p:sp>
     </p:spTree>
     <p:extLst>
       <p:ext uri="{BB962C8B-B14F-4D97-AF65-F5344CB8AC3E}">
-        <p14:creationId xmlns:p14="http://schemas.microsoft.com/office/powerpoint/2010/main" val="3895963326"/>
+        <p14:creationId xmlns:p14="http://schemas.microsoft.com/office/powerpoint/2010/main" val="3014809508"/>
       </p:ext>
     </p:extLst>
   </p:cSld>
@@ -2806,6 +3295,97 @@
       </p:grpSpPr>
       <p:sp>
         <p:nvSpPr>
+          <p:cNvPr id="10" name="Rectangle 9"/>
+          <p:cNvSpPr>
+            <a:spLocks noGrp="1" noRot="1" noChangeAspect="1" noMove="1" noResize="1" noEditPoints="1" noAdjustHandles="1" noChangeArrowheads="1" noChangeShapeType="1" noTextEdit="1"/>
+          </p:cNvSpPr>
+          <p:nvPr>
+            <p:extLst>
+              <p:ext uri="{386F3935-93C4-4BCD-93E2-E3B085C9AB24}">
+                <p16:designElem xmlns:p16="http://schemas.microsoft.com/office/powerpoint/2015/main" val="1"/>
+              </p:ext>
+            </p:extLst>
+          </p:nvPr>
+        </p:nvSpPr>
+        <p:spPr bwMode="white">
+          <a:xfrm>
+            <a:off x="0" y="0"/>
+            <a:ext cx="9144000" cy="6858000"/>
+          </a:xfrm>
+          <a:prstGeom prst="rect">
+            <a:avLst/>
+          </a:prstGeom>
+          <a:solidFill>
+            <a:schemeClr val="bg1"/>
+          </a:solidFill>
+          <a:ln>
+            <a:noFill/>
+          </a:ln>
+          <a:effectLst/>
+        </p:spPr>
+      </p:sp>
+      <p:sp>
+        <p:nvSpPr>
+          <p:cNvPr id="11" name="Rectangle 10"/>
+          <p:cNvSpPr>
+            <a:spLocks noGrp="1" noRot="1" noChangeAspect="1" noMove="1" noResize="1" noEditPoints="1" noAdjustHandles="1" noChangeArrowheads="1" noChangeShapeType="1" noTextEdit="1"/>
+          </p:cNvSpPr>
+          <p:nvPr>
+            <p:extLst>
+              <p:ext uri="{386F3935-93C4-4BCD-93E2-E3B085C9AB24}">
+                <p16:designElem xmlns:p16="http://schemas.microsoft.com/office/powerpoint/2015/main" val="1"/>
+              </p:ext>
+            </p:extLst>
+          </p:nvPr>
+        </p:nvSpPr>
+        <p:spPr>
+          <a:xfrm>
+            <a:off x="0" y="4242816"/>
+            <a:ext cx="9144000" cy="2615184"/>
+          </a:xfrm>
+          <a:prstGeom prst="rect">
+            <a:avLst/>
+          </a:prstGeom>
+          <a:solidFill>
+            <a:schemeClr val="bg1">
+              <a:lumMod val="95000"/>
+            </a:schemeClr>
+          </a:solidFill>
+          <a:ln>
+            <a:noFill/>
+          </a:ln>
+        </p:spPr>
+        <p:style>
+          <a:lnRef idx="2">
+            <a:schemeClr val="accent1">
+              <a:shade val="50000"/>
+            </a:schemeClr>
+          </a:lnRef>
+          <a:fillRef idx="1">
+            <a:schemeClr val="accent1"/>
+          </a:fillRef>
+          <a:effectRef idx="0">
+            <a:schemeClr val="accent1"/>
+          </a:effectRef>
+          <a:fontRef idx="minor">
+            <a:schemeClr val="lt1"/>
+          </a:fontRef>
+        </p:style>
+        <p:txBody>
+          <a:bodyPr rtlCol="0" anchor="ctr"/>
+          <a:lstStyle/>
+          <a:p>
+            <a:pPr algn="ctr"/>
+            <a:endParaRPr lang="en-US">
+              <a:solidFill>
+                <a:schemeClr val="tx1"/>
+              </a:solidFill>
+            </a:endParaRPr>
+          </a:p>
+        </p:txBody>
+      </p:sp>
+      <p:sp>
+        <p:nvSpPr>
           <p:cNvPr id="2" name="Titel 1"/>
           <p:cNvSpPr>
             <a:spLocks noGrp="1"/>
@@ -2814,40 +3394,37 @@
             <p:ph type="title"/>
           </p:nvPr>
         </p:nvSpPr>
-        <p:spPr/>
-        <p:txBody>
-          <a:bodyPr/>
-          <a:lstStyle/>
-          <a:p>
-            <a:r>
-              <a:rPr lang="de-DE" dirty="0"/>
-              <a:t>Datenbank</a:t>
-            </a:r>
-          </a:p>
-        </p:txBody>
-      </p:sp>
-      <p:sp>
-        <p:nvSpPr>
-          <p:cNvPr id="3" name="Inhaltsplatzhalter 2"/>
-          <p:cNvSpPr>
-            <a:spLocks noGrp="1"/>
-          </p:cNvSpPr>
-          <p:nvPr>
-            <p:ph idx="1"/>
-          </p:nvPr>
-        </p:nvSpPr>
-        <p:spPr/>
-        <p:txBody>
-          <a:bodyPr/>
-          <a:lstStyle/>
-          <a:p>
-            <a:endParaRPr lang="de-DE"/>
-          </a:p>
-        </p:txBody>
-      </p:sp>
-      <p:sp>
-        <p:nvSpPr>
-          <p:cNvPr id="4" name="Datumsplatzhalter 3"/>
+        <p:spPr>
+          <a:xfrm>
+            <a:off x="530258" y="4783223"/>
+            <a:ext cx="8074058" cy="1207269"/>
+          </a:xfrm>
+        </p:spPr>
+        <p:txBody>
+          <a:bodyPr vert="horz" lIns="91440" tIns="45720" rIns="91440" bIns="45720" rtlCol="0" anchor="b">
+            <a:normAutofit fontScale="90000"/>
+          </a:bodyPr>
+          <a:lstStyle/>
+          <a:p>
+            <a:pPr algn="ctr"/>
+            <a:r>
+              <a:rPr lang="en-US" sz="6000" dirty="0"/>
+              <a:t>Externe Ressourcen</a:t>
+            </a:r>
+            <a:br>
+              <a:rPr lang="en-US" sz="6000" dirty="0"/>
+            </a:br>
+            <a:r>
+              <a:rPr lang="en-US" sz="3100" dirty="0"/>
+              <a:t>Server</a:t>
+            </a:r>
+            <a:endParaRPr lang="en-US" sz="6000" dirty="0"/>
+          </a:p>
+        </p:txBody>
+      </p:sp>
+      <p:sp>
+        <p:nvSpPr>
+          <p:cNvPr id="3" name="Datumsplatzhalter 2"/>
           <p:cNvSpPr>
             <a:spLocks noGrp="1"/>
           </p:cNvSpPr>
@@ -2855,13 +3432,28 @@
             <p:ph type="dt" sz="half" idx="10"/>
           </p:nvPr>
         </p:nvSpPr>
-        <p:spPr/>
-        <p:txBody>
-          <a:bodyPr/>
-          <a:lstStyle/>
-          <a:p>
-            <a:r>
-              <a:rPr lang="de-DE"/>
+        <p:spPr>
+          <a:xfrm>
+            <a:off x="628650" y="6356351"/>
+            <a:ext cx="2057400" cy="365125"/>
+          </a:xfrm>
+        </p:spPr>
+        <p:txBody>
+          <a:bodyPr vert="horz" lIns="91440" tIns="45720" rIns="91440" bIns="45720" rtlCol="0" anchor="ctr">
+            <a:normAutofit/>
+          </a:bodyPr>
+          <a:lstStyle/>
+          <a:p>
+            <a:pPr defTabSz="914400"/>
+            <a:r>
+              <a:rPr lang="en-US">
+                <a:solidFill>
+                  <a:schemeClr val="tx1">
+                    <a:lumMod val="50000"/>
+                    <a:lumOff val="50000"/>
+                  </a:schemeClr>
+                </a:solidFill>
+              </a:rPr>
               <a:t>11.01.2017</a:t>
             </a:r>
           </a:p>
@@ -2869,7 +3461,7 @@
       </p:sp>
       <p:sp>
         <p:nvSpPr>
-          <p:cNvPr id="5" name="Fußzeilenplatzhalter 4"/>
+          <p:cNvPr id="4" name="Fußzeilenplatzhalter 3"/>
           <p:cNvSpPr>
             <a:spLocks noGrp="1"/>
           </p:cNvSpPr>
@@ -2877,28 +3469,64 @@
             <p:ph type="ftr" sz="quarter" idx="11"/>
           </p:nvPr>
         </p:nvSpPr>
-        <p:spPr/>
-        <p:txBody>
-          <a:bodyPr/>
-          <a:lstStyle/>
-          <a:p>
-            <a:r>
-              <a:rPr lang="de-DE" sz="500" i="1"/>
+        <p:spPr>
+          <a:xfrm>
+            <a:off x="3028950" y="6356351"/>
+            <a:ext cx="3086100" cy="365125"/>
+          </a:xfrm>
+        </p:spPr>
+        <p:txBody>
+          <a:bodyPr vert="horz" lIns="91440" tIns="45720" rIns="91440" bIns="45720" rtlCol="0" anchor="ctr">
+            <a:normAutofit/>
+          </a:bodyPr>
+          <a:lstStyle/>
+          <a:p>
+            <a:pPr defTabSz="914400">
+              <a:lnSpc>
+                <a:spcPct val="80000"/>
+              </a:lnSpc>
+            </a:pPr>
+            <a:r>
+              <a:rPr lang="en-US" i="1" kern="1200">
+                <a:solidFill>
+                  <a:schemeClr val="tx1">
+                    <a:lumMod val="50000"/>
+                    <a:lumOff val="50000"/>
+                  </a:schemeClr>
+                </a:solidFill>
+                <a:latin typeface="+mn-lt"/>
+                <a:ea typeface="+mn-ea"/>
+                <a:cs typeface="+mn-cs"/>
+              </a:rPr>
               <a:t>Studienplan als Generierung von Workflows mit Compliance-Anforderungen: Planerstellung und Visualisierung </a:t>
             </a:r>
           </a:p>
           <a:p>
-            <a:r>
-              <a:rPr lang="de-DE" sz="600"/>
+            <a:pPr defTabSz="914400">
+              <a:lnSpc>
+                <a:spcPct val="80000"/>
+              </a:lnSpc>
+            </a:pPr>
+            <a:r>
+              <a:rPr lang="en-US" kern="1200">
+                <a:solidFill>
+                  <a:schemeClr val="tx1">
+                    <a:lumMod val="50000"/>
+                    <a:lumOff val="50000"/>
+                  </a:schemeClr>
+                </a:solidFill>
+                <a:latin typeface="+mn-lt"/>
+                <a:ea typeface="+mn-ea"/>
+                <a:cs typeface="+mn-cs"/>
+              </a:rPr>
               <a:t>Entwurfspräsentation - Hannes Kuchelmeister</a:t>
             </a:r>
-            <a:endParaRPr lang="de-DE" sz="600" dirty="0"/>
-          </a:p>
-        </p:txBody>
-      </p:sp>
-      <p:sp>
-        <p:nvSpPr>
-          <p:cNvPr id="6" name="Foliennummernplatzhalter 5"/>
+          </a:p>
+        </p:txBody>
+      </p:sp>
+      <p:sp>
+        <p:nvSpPr>
+          <p:cNvPr id="5" name="Foliennummernplatzhalter 4"/>
           <p:cNvSpPr>
             <a:spLocks noGrp="1"/>
           </p:cNvSpPr>
@@ -2906,23 +3534,571 @@
             <p:ph type="sldNum" sz="quarter" idx="12"/>
           </p:nvPr>
         </p:nvSpPr>
-        <p:spPr/>
-        <p:txBody>
-          <a:bodyPr/>
-          <a:lstStyle/>
-          <a:p>
+        <p:spPr>
+          <a:xfrm>
+            <a:off x="6457950" y="6356351"/>
+            <a:ext cx="2057400" cy="365125"/>
+          </a:xfrm>
+        </p:spPr>
+        <p:txBody>
+          <a:bodyPr vert="horz" lIns="91440" tIns="45720" rIns="91440" bIns="45720" rtlCol="0" anchor="ctr">
+            <a:normAutofit/>
+          </a:bodyPr>
+          <a:lstStyle/>
+          <a:p>
+            <a:pPr defTabSz="914400"/>
             <a:fld id="{F3FA9306-867D-4B2C-AADB-CE522745B8B8}" type="slidenum">
-              <a:rPr lang="de-DE" smtClean="0"/>
+              <a:rPr lang="en-US">
+                <a:solidFill>
+                  <a:schemeClr val="tx1">
+                    <a:lumMod val="50000"/>
+                    <a:lumOff val="50000"/>
+                  </a:schemeClr>
+                </a:solidFill>
+              </a:rPr>
+              <a:pPr defTabSz="914400"/>
               <a:t>8</a:t>
             </a:fld>
-            <a:endParaRPr lang="de-DE"/>
-          </a:p>
-        </p:txBody>
-      </p:sp>
+            <a:endParaRPr lang="en-US">
+              <a:solidFill>
+                <a:schemeClr val="tx1">
+                  <a:lumMod val="50000"/>
+                  <a:lumOff val="50000"/>
+                </a:schemeClr>
+              </a:solidFill>
+            </a:endParaRPr>
+          </a:p>
+        </p:txBody>
+      </p:sp>
+      <p:grpSp>
+        <p:nvGrpSpPr>
+          <p:cNvPr id="9" name="Gruppieren 8"/>
+          <p:cNvGrpSpPr/>
+          <p:nvPr/>
+        </p:nvGrpSpPr>
+        <p:grpSpPr>
+          <a:xfrm>
+            <a:off x="527277" y="74646"/>
+            <a:ext cx="8424654" cy="3110533"/>
+            <a:chOff x="527277" y="74646"/>
+            <a:chExt cx="8424654" cy="3110533"/>
+          </a:xfrm>
+        </p:grpSpPr>
+        <p:pic>
+          <p:nvPicPr>
+            <p:cNvPr id="21" name="Picture 6" descr="File:Hibernate logo a.png"/>
+            <p:cNvPicPr>
+              <a:picLocks noChangeAspect="1" noChangeArrowheads="1"/>
+            </p:cNvPicPr>
+            <p:nvPr/>
+          </p:nvPicPr>
+          <p:blipFill rotWithShape="1">
+            <a:blip r:embed="rId2">
+              <a:extLst>
+                <a:ext uri="{28A0092B-C50C-407E-A947-70E740481C1C}">
+                  <a14:useLocalDpi xmlns:a14="http://schemas.microsoft.com/office/drawing/2010/main" val="0"/>
+                </a:ext>
+              </a:extLst>
+            </a:blip>
+            <a:srcRect l="4117" r="3569"/>
+            <a:stretch/>
+          </p:blipFill>
+          <p:spPr bwMode="auto">
+            <a:xfrm>
+              <a:off x="5895451" y="1561780"/>
+              <a:ext cx="3056480" cy="918795"/>
+            </a:xfrm>
+            <a:prstGeom prst="rect">
+              <a:avLst/>
+            </a:prstGeom>
+            <a:noFill/>
+            <a:extLst>
+              <a:ext uri="{909E8E84-426E-40DD-AFC4-6F175D3DCCD1}">
+                <a14:hiddenFill xmlns:a14="http://schemas.microsoft.com/office/drawing/2010/main">
+                  <a:solidFill>
+                    <a:srgbClr val="FFFFFF"/>
+                  </a:solidFill>
+                </a14:hiddenFill>
+              </a:ext>
+            </a:extLst>
+          </p:spPr>
+        </p:pic>
+        <p:pic>
+          <p:nvPicPr>
+            <p:cNvPr id="22" name="Grafik 21"/>
+            <p:cNvPicPr>
+              <a:picLocks noChangeAspect="1"/>
+            </p:cNvPicPr>
+            <p:nvPr/>
+          </p:nvPicPr>
+          <p:blipFill>
+            <a:blip r:embed="rId3">
+              <a:extLst>
+                <a:ext uri="{28A0092B-C50C-407E-A947-70E740481C1C}">
+                  <a14:useLocalDpi xmlns:a14="http://schemas.microsoft.com/office/drawing/2010/main" val="0"/>
+                </a:ext>
+              </a:extLst>
+            </a:blip>
+            <a:stretch>
+              <a:fillRect/>
+            </a:stretch>
+          </p:blipFill>
+          <p:spPr>
+            <a:xfrm>
+              <a:off x="527277" y="1646156"/>
+              <a:ext cx="2675143" cy="750039"/>
+            </a:xfrm>
+            <a:prstGeom prst="rect">
+              <a:avLst/>
+            </a:prstGeom>
+          </p:spPr>
+        </p:pic>
+        <p:grpSp>
+          <p:nvGrpSpPr>
+            <p:cNvPr id="8" name="Gruppieren 7"/>
+            <p:cNvGrpSpPr/>
+            <p:nvPr/>
+          </p:nvGrpSpPr>
+          <p:grpSpPr>
+            <a:xfrm>
+              <a:off x="3319034" y="857178"/>
+              <a:ext cx="2467924" cy="2328001"/>
+              <a:chOff x="3319034" y="857178"/>
+              <a:chExt cx="2467924" cy="2328001"/>
+            </a:xfrm>
+          </p:grpSpPr>
+          <p:pic>
+            <p:nvPicPr>
+              <p:cNvPr id="23" name="Picture 22" descr="http://cloudhost.ae/wp-content/uploads/2016/10/hybrid_cloud.png"/>
+              <p:cNvPicPr>
+                <a:picLocks noChangeAspect="1" noChangeArrowheads="1"/>
+              </p:cNvPicPr>
+              <p:nvPr/>
+            </p:nvPicPr>
+            <p:blipFill>
+              <a:blip r:embed="rId4">
+                <a:extLst>
+                  <a:ext uri="{28A0092B-C50C-407E-A947-70E740481C1C}">
+                    <a14:useLocalDpi xmlns:a14="http://schemas.microsoft.com/office/drawing/2010/main" val="0"/>
+                  </a:ext>
+                </a:extLst>
+              </a:blip>
+              <a:srcRect/>
+              <a:stretch>
+                <a:fillRect/>
+              </a:stretch>
+            </p:blipFill>
+            <p:spPr bwMode="auto">
+              <a:xfrm>
+                <a:off x="3598120" y="1396692"/>
+                <a:ext cx="1909753" cy="1248978"/>
+              </a:xfrm>
+              <a:prstGeom prst="rect">
+                <a:avLst/>
+              </a:prstGeom>
+              <a:noFill/>
+              <a:extLst>
+                <a:ext uri="{909E8E84-426E-40DD-AFC4-6F175D3DCCD1}">
+                  <a14:hiddenFill xmlns:a14="http://schemas.microsoft.com/office/drawing/2010/main">
+                    <a:solidFill>
+                      <a:srgbClr val="FFFFFF"/>
+                    </a:solidFill>
+                  </a14:hiddenFill>
+                </a:ext>
+              </a:extLst>
+            </p:spPr>
+          </p:pic>
+          <p:sp>
+            <p:nvSpPr>
+              <p:cNvPr id="24" name="Ellipse 23"/>
+              <p:cNvSpPr/>
+              <p:nvPr/>
+            </p:nvSpPr>
+            <p:spPr>
+              <a:xfrm>
+                <a:off x="3319034" y="857178"/>
+                <a:ext cx="2467924" cy="2328001"/>
+              </a:xfrm>
+              <a:prstGeom prst="ellipse">
+                <a:avLst/>
+              </a:prstGeom>
+              <a:noFill/>
+              <a:ln w="57150">
+                <a:solidFill>
+                  <a:schemeClr val="accent2"/>
+                </a:solidFill>
+              </a:ln>
+            </p:spPr>
+            <p:style>
+              <a:lnRef idx="2">
+                <a:schemeClr val="accent1">
+                  <a:shade val="50000"/>
+                </a:schemeClr>
+              </a:lnRef>
+              <a:fillRef idx="1">
+                <a:schemeClr val="accent1"/>
+              </a:fillRef>
+              <a:effectRef idx="0">
+                <a:schemeClr val="accent1"/>
+              </a:effectRef>
+              <a:fontRef idx="minor">
+                <a:schemeClr val="lt1"/>
+              </a:fontRef>
+            </p:style>
+            <p:txBody>
+              <a:bodyPr rtlCol="0" anchor="ctr"/>
+              <a:lstStyle/>
+              <a:p>
+                <a:pPr algn="ctr"/>
+                <a:endParaRPr lang="de-DE" dirty="0"/>
+              </a:p>
+            </p:txBody>
+          </p:sp>
+        </p:grpSp>
+        <p:grpSp>
+          <p:nvGrpSpPr>
+            <p:cNvPr id="7" name="Gruppieren 6"/>
+            <p:cNvGrpSpPr/>
+            <p:nvPr/>
+          </p:nvGrpSpPr>
+          <p:grpSpPr>
+            <a:xfrm>
+              <a:off x="3470390" y="74646"/>
+              <a:ext cx="2111819" cy="707886"/>
+              <a:chOff x="3470390" y="74646"/>
+              <a:chExt cx="2111819" cy="707886"/>
+            </a:xfrm>
+          </p:grpSpPr>
+          <p:pic>
+            <p:nvPicPr>
+              <p:cNvPr id="1026" name="Picture 2" descr="https://www.jooq.org/img/jooq-logo-white.png"/>
+              <p:cNvPicPr>
+                <a:picLocks noChangeAspect="1" noChangeArrowheads="1"/>
+              </p:cNvPicPr>
+              <p:nvPr/>
+            </p:nvPicPr>
+            <p:blipFill>
+              <a:blip r:embed="rId5">
+                <a:extLst>
+                  <a:ext uri="{28A0092B-C50C-407E-A947-70E740481C1C}">
+                    <a14:useLocalDpi xmlns:a14="http://schemas.microsoft.com/office/drawing/2010/main" val="0"/>
+                  </a:ext>
+                </a:extLst>
+              </a:blip>
+              <a:srcRect/>
+              <a:stretch>
+                <a:fillRect/>
+              </a:stretch>
+            </p:blipFill>
+            <p:spPr bwMode="auto">
+              <a:xfrm>
+                <a:off x="3470390" y="96895"/>
+                <a:ext cx="663388" cy="663388"/>
+              </a:xfrm>
+              <a:prstGeom prst="rect">
+                <a:avLst/>
+              </a:prstGeom>
+              <a:solidFill>
+                <a:srgbClr val="404040"/>
+              </a:solidFill>
+            </p:spPr>
+          </p:pic>
+          <p:sp>
+            <p:nvSpPr>
+              <p:cNvPr id="6" name="Textfeld 5"/>
+              <p:cNvSpPr txBox="1"/>
+              <p:nvPr/>
+            </p:nvSpPr>
+            <p:spPr>
+              <a:xfrm>
+                <a:off x="4220939" y="74646"/>
+                <a:ext cx="1361270" cy="707886"/>
+              </a:xfrm>
+              <a:prstGeom prst="rect">
+                <a:avLst/>
+              </a:prstGeom>
+              <a:noFill/>
+            </p:spPr>
+            <p:txBody>
+              <a:bodyPr wrap="none" rtlCol="0">
+                <a:spAutoFit/>
+              </a:bodyPr>
+              <a:lstStyle/>
+              <a:p>
+                <a:r>
+                  <a:rPr lang="de-DE" sz="4000" b="1" dirty="0">
+                    <a:solidFill>
+                      <a:schemeClr val="tx1">
+                        <a:lumMod val="75000"/>
+                        <a:lumOff val="25000"/>
+                      </a:schemeClr>
+                    </a:solidFill>
+                  </a:rPr>
+                  <a:t>jOOQ</a:t>
+                </a:r>
+              </a:p>
+            </p:txBody>
+          </p:sp>
+        </p:grpSp>
+      </p:grpSp>
+      <p:grpSp>
+        <p:nvGrpSpPr>
+          <p:cNvPr id="38" name="Gruppieren 37"/>
+          <p:cNvGrpSpPr/>
+          <p:nvPr/>
+        </p:nvGrpSpPr>
+        <p:grpSpPr>
+          <a:xfrm>
+            <a:off x="3674502" y="3246218"/>
+            <a:ext cx="1833371" cy="912531"/>
+            <a:chOff x="3529034" y="3242676"/>
+            <a:chExt cx="1893867" cy="942642"/>
+          </a:xfrm>
+        </p:grpSpPr>
+        <p:grpSp>
+          <p:nvGrpSpPr>
+            <p:cNvPr id="14" name="Gruppieren 13"/>
+            <p:cNvGrpSpPr/>
+            <p:nvPr/>
+          </p:nvGrpSpPr>
+          <p:grpSpPr>
+            <a:xfrm>
+              <a:off x="3529034" y="3242676"/>
+              <a:ext cx="993781" cy="937439"/>
+              <a:chOff x="2990708" y="3259825"/>
+              <a:chExt cx="846114" cy="798142"/>
+            </a:xfrm>
+          </p:grpSpPr>
+          <p:sp>
+            <p:nvSpPr>
+              <p:cNvPr id="25" name="Ellipse 24"/>
+              <p:cNvSpPr/>
+              <p:nvPr/>
+            </p:nvSpPr>
+            <p:spPr>
+              <a:xfrm>
+                <a:off x="2990708" y="3259825"/>
+                <a:ext cx="846114" cy="798142"/>
+              </a:xfrm>
+              <a:prstGeom prst="ellipse">
+                <a:avLst/>
+              </a:prstGeom>
+              <a:noFill/>
+              <a:ln w="19050">
+                <a:solidFill>
+                  <a:srgbClr val="F9C37D"/>
+                </a:solidFill>
+              </a:ln>
+            </p:spPr>
+            <p:style>
+              <a:lnRef idx="2">
+                <a:schemeClr val="accent1">
+                  <a:shade val="50000"/>
+                </a:schemeClr>
+              </a:lnRef>
+              <a:fillRef idx="1">
+                <a:schemeClr val="accent1"/>
+              </a:fillRef>
+              <a:effectRef idx="0">
+                <a:schemeClr val="accent1"/>
+              </a:effectRef>
+              <a:fontRef idx="minor">
+                <a:schemeClr val="lt1"/>
+              </a:fontRef>
+            </p:style>
+            <p:txBody>
+              <a:bodyPr rtlCol="0" anchor="ctr"/>
+              <a:lstStyle/>
+              <a:p>
+                <a:pPr algn="ctr"/>
+                <a:endParaRPr lang="de-DE" dirty="0"/>
+              </a:p>
+            </p:txBody>
+          </p:sp>
+          <p:pic>
+            <p:nvPicPr>
+              <p:cNvPr id="13" name="Grafik 12"/>
+              <p:cNvPicPr>
+                <a:picLocks noChangeAspect="1"/>
+              </p:cNvPicPr>
+              <p:nvPr/>
+            </p:nvPicPr>
+            <p:blipFill>
+              <a:blip r:embed="rId6">
+                <a:extLst>
+                  <a:ext uri="{28A0092B-C50C-407E-A947-70E740481C1C}">
+                    <a14:useLocalDpi xmlns:a14="http://schemas.microsoft.com/office/drawing/2010/main" val="0"/>
+                  </a:ext>
+                </a:extLst>
+              </a:blip>
+              <a:stretch>
+                <a:fillRect/>
+              </a:stretch>
+            </p:blipFill>
+            <p:spPr>
+              <a:xfrm>
+                <a:off x="3098222" y="3439920"/>
+                <a:ext cx="631085" cy="426699"/>
+              </a:xfrm>
+              <a:prstGeom prst="rect">
+                <a:avLst/>
+              </a:prstGeom>
+            </p:spPr>
+          </p:pic>
+        </p:grpSp>
+        <p:grpSp>
+          <p:nvGrpSpPr>
+            <p:cNvPr id="15" name="Gruppieren 14"/>
+            <p:cNvGrpSpPr/>
+            <p:nvPr/>
+          </p:nvGrpSpPr>
+          <p:grpSpPr>
+            <a:xfrm>
+              <a:off x="4429120" y="3242676"/>
+              <a:ext cx="993781" cy="926664"/>
+              <a:chOff x="4655453" y="3259657"/>
+              <a:chExt cx="785095" cy="745468"/>
+            </a:xfrm>
+          </p:grpSpPr>
+          <p:pic>
+            <p:nvPicPr>
+              <p:cNvPr id="1028" name="Picture 4" descr="http://www.mediaclick.de/wp-content/uploads/2014/01/java.png"/>
+              <p:cNvPicPr>
+                <a:picLocks noChangeAspect="1" noChangeArrowheads="1"/>
+              </p:cNvPicPr>
+              <p:nvPr/>
+            </p:nvPicPr>
+            <p:blipFill>
+              <a:blip r:embed="rId7">
+                <a:extLst>
+                  <a:ext uri="{28A0092B-C50C-407E-A947-70E740481C1C}">
+                    <a14:useLocalDpi xmlns:a14="http://schemas.microsoft.com/office/drawing/2010/main" val="0"/>
+                  </a:ext>
+                </a:extLst>
+              </a:blip>
+              <a:srcRect/>
+              <a:stretch>
+                <a:fillRect/>
+              </a:stretch>
+            </p:blipFill>
+            <p:spPr bwMode="auto">
+              <a:xfrm>
+                <a:off x="4732720" y="3328359"/>
+                <a:ext cx="608066" cy="608066"/>
+              </a:xfrm>
+              <a:prstGeom prst="rect">
+                <a:avLst/>
+              </a:prstGeom>
+              <a:noFill/>
+              <a:extLst>
+                <a:ext uri="{909E8E84-426E-40DD-AFC4-6F175D3DCCD1}">
+                  <a14:hiddenFill xmlns:a14="http://schemas.microsoft.com/office/drawing/2010/main">
+                    <a:solidFill>
+                      <a:srgbClr val="FFFFFF"/>
+                    </a:solidFill>
+                  </a14:hiddenFill>
+                </a:ext>
+              </a:extLst>
+            </p:spPr>
+          </p:pic>
+          <p:sp>
+            <p:nvSpPr>
+              <p:cNvPr id="26" name="Ellipse 25"/>
+              <p:cNvSpPr/>
+              <p:nvPr/>
+            </p:nvSpPr>
+            <p:spPr>
+              <a:xfrm>
+                <a:off x="4655453" y="3259657"/>
+                <a:ext cx="785095" cy="745468"/>
+              </a:xfrm>
+              <a:prstGeom prst="ellipse">
+                <a:avLst/>
+              </a:prstGeom>
+              <a:noFill/>
+              <a:ln w="19050">
+                <a:solidFill>
+                  <a:srgbClr val="2F84C1"/>
+                </a:solidFill>
+              </a:ln>
+            </p:spPr>
+            <p:style>
+              <a:lnRef idx="2">
+                <a:schemeClr val="accent1">
+                  <a:shade val="50000"/>
+                </a:schemeClr>
+              </a:lnRef>
+              <a:fillRef idx="1">
+                <a:schemeClr val="accent1"/>
+              </a:fillRef>
+              <a:effectRef idx="0">
+                <a:schemeClr val="accent1"/>
+              </a:effectRef>
+              <a:fontRef idx="minor">
+                <a:schemeClr val="lt1"/>
+              </a:fontRef>
+            </p:style>
+            <p:txBody>
+              <a:bodyPr rtlCol="0" anchor="ctr"/>
+              <a:lstStyle/>
+              <a:p>
+                <a:pPr algn="ctr"/>
+                <a:endParaRPr lang="de-DE" dirty="0"/>
+              </a:p>
+            </p:txBody>
+          </p:sp>
+        </p:grpSp>
+        <p:sp>
+          <p:nvSpPr>
+            <p:cNvPr id="31" name="Bogen 30"/>
+            <p:cNvSpPr/>
+            <p:nvPr/>
+          </p:nvSpPr>
+          <p:spPr>
+            <a:xfrm rot="5400000">
+              <a:off x="3554602" y="3217922"/>
+              <a:ext cx="942642" cy="992149"/>
+            </a:xfrm>
+            <a:prstGeom prst="arc">
+              <a:avLst>
+                <a:gd name="adj1" fmla="val 16785883"/>
+                <a:gd name="adj2" fmla="val 18026903"/>
+              </a:avLst>
+            </a:prstGeom>
+            <a:ln w="19050">
+              <a:solidFill>
+                <a:srgbClr val="F9C37D"/>
+              </a:solidFill>
+            </a:ln>
+          </p:spPr>
+          <p:style>
+            <a:lnRef idx="1">
+              <a:schemeClr val="accent1"/>
+            </a:lnRef>
+            <a:fillRef idx="0">
+              <a:schemeClr val="accent1"/>
+            </a:fillRef>
+            <a:effectRef idx="0">
+              <a:schemeClr val="accent1"/>
+            </a:effectRef>
+            <a:fontRef idx="minor">
+              <a:schemeClr val="tx1"/>
+            </a:fontRef>
+          </p:style>
+          <p:txBody>
+            <a:bodyPr rtlCol="0" anchor="ctr"/>
+            <a:lstStyle/>
+            <a:p>
+              <a:pPr algn="ctr"/>
+              <a:endParaRPr lang="de-DE"/>
+            </a:p>
+          </p:txBody>
+        </p:sp>
+      </p:grpSp>
     </p:spTree>
     <p:extLst>
       <p:ext uri="{BB962C8B-B14F-4D97-AF65-F5344CB8AC3E}">
-        <p14:creationId xmlns:p14="http://schemas.microsoft.com/office/powerpoint/2010/main" val="3656001993"/>
+        <p14:creationId xmlns:p14="http://schemas.microsoft.com/office/powerpoint/2010/main" val="3628233013"/>
       </p:ext>
     </p:extLst>
   </p:cSld>
@@ -2966,7 +4142,7 @@
           <a:p>
             <a:r>
               <a:rPr lang="de-DE" dirty="0"/>
-              <a:t>JSON</a:t>
+              <a:t>Datenbank</a:t>
             </a:r>
           </a:p>
         </p:txBody>
@@ -3067,7 +4243,7 @@
     </p:spTree>
     <p:extLst>
       <p:ext uri="{BB962C8B-B14F-4D97-AF65-F5344CB8AC3E}">
-        <p14:creationId xmlns:p14="http://schemas.microsoft.com/office/powerpoint/2010/main" val="874809195"/>
+        <p14:creationId xmlns:p14="http://schemas.microsoft.com/office/powerpoint/2010/main" val="3656001993"/>
       </p:ext>
     </p:extLst>
   </p:cSld>

--- a/Entwurf/Presentation.pptx
+++ b/Entwurf/Presentation.pptx
@@ -2,23 +2,24 @@
 <file path=ppt/presentation.xml><?xml version="1.0" encoding="utf-8"?>
 <p:presentation xmlns:a="http://schemas.openxmlformats.org/drawingml/2006/main" xmlns:r="http://schemas.openxmlformats.org/officeDocument/2006/relationships" xmlns:p="http://schemas.openxmlformats.org/presentationml/2006/main" showSpecialPlsOnTitleSld="0" saveSubsetFonts="1">
   <p:sldMasterIdLst>
-    <p:sldMasterId id="2147483660" r:id="rId1"/>
+    <p:sldMasterId id="2147483660" r:id="rId2"/>
   </p:sldMasterIdLst>
   <p:notesMasterIdLst>
-    <p:notesMasterId r:id="rId13"/>
+    <p:notesMasterId r:id="rId15"/>
   </p:notesMasterIdLst>
   <p:sldIdLst>
-    <p:sldId id="256" r:id="rId2"/>
-    <p:sldId id="277" r:id="rId3"/>
-    <p:sldId id="278" r:id="rId4"/>
-    <p:sldId id="280" r:id="rId5"/>
-    <p:sldId id="281" r:id="rId6"/>
-    <p:sldId id="285" r:id="rId7"/>
-    <p:sldId id="288" r:id="rId8"/>
-    <p:sldId id="289" r:id="rId9"/>
-    <p:sldId id="282" r:id="rId10"/>
-    <p:sldId id="283" r:id="rId11"/>
-    <p:sldId id="290" r:id="rId12"/>
+    <p:sldId id="256" r:id="rId3"/>
+    <p:sldId id="277" r:id="rId4"/>
+    <p:sldId id="278" r:id="rId5"/>
+    <p:sldId id="280" r:id="rId6"/>
+    <p:sldId id="281" r:id="rId7"/>
+    <p:sldId id="291" r:id="rId8"/>
+    <p:sldId id="285" r:id="rId9"/>
+    <p:sldId id="288" r:id="rId10"/>
+    <p:sldId id="289" r:id="rId11"/>
+    <p:sldId id="282" r:id="rId12"/>
+    <p:sldId id="283" r:id="rId13"/>
+    <p:sldId id="290" r:id="rId14"/>
   </p:sldIdLst>
   <p:sldSz cx="9144000" cy="6858000" type="screen4x3"/>
   <p:notesSz cx="6858000" cy="9144000"/>
@@ -127,6 +128,7 @@
             <p14:sldId id="278"/>
             <p14:sldId id="280"/>
             <p14:sldId id="281"/>
+            <p14:sldId id="291"/>
           </p14:sldIdLst>
         </p14:section>
         <p14:section name="Externe Ressourcen" id="{E4DEF348-F96A-4C48-8AD0-617306CF75A4}">
@@ -529,9 +531,104 @@
           <a:chExt cx="0" cy="0"/>
         </a:xfrm>
       </p:grpSpPr>
+      <p:pic>
+        <p:nvPicPr>
+          <p:cNvPr id="7" name="Picture 4" descr="https://img0.etsystatic.com/101/0/10603661/il_570xN.848797518_mbjt.jpg"/>
+          <p:cNvPicPr>
+            <a:picLocks noChangeAspect="1" noChangeArrowheads="1"/>
+          </p:cNvPicPr>
+          <p:nvPr userDrawn="1"/>
+        </p:nvPicPr>
+        <p:blipFill rotWithShape="1">
+          <a:blip r:embed="rId2">
+            <a:extLst>
+              <a:ext uri="{BEBA8EAE-BF5A-486C-A8C5-ECC9F3942E4B}">
+                <a14:imgProps xmlns:a14="http://schemas.microsoft.com/office/drawing/2010/main">
+                  <a14:imgLayer r:embed="rId3">
+                    <a14:imgEffect>
+                      <a14:sharpenSoften amount="-49000"/>
+                    </a14:imgEffect>
+                  </a14:imgLayer>
+                </a14:imgProps>
+              </a:ext>
+              <a:ext uri="{28A0092B-C50C-407E-A947-70E740481C1C}">
+                <a14:useLocalDpi xmlns:a14="http://schemas.microsoft.com/office/drawing/2010/main" val="0"/>
+              </a:ext>
+            </a:extLst>
+          </a:blip>
+          <a:srcRect t="48388" b="1"/>
+          <a:stretch/>
+        </p:blipFill>
+        <p:spPr bwMode="auto">
+          <a:xfrm>
+            <a:off x="-1" y="1"/>
+            <a:ext cx="9144000" cy="3378096"/>
+          </a:xfrm>
+          <a:prstGeom prst="rect">
+            <a:avLst/>
+          </a:prstGeom>
+          <a:noFill/>
+          <a:extLst>
+            <a:ext uri="{909E8E84-426E-40DD-AFC4-6F175D3DCCD1}">
+              <a14:hiddenFill xmlns:a14="http://schemas.microsoft.com/office/drawing/2010/main">
+                <a:solidFill>
+                  <a:srgbClr val="FFFFFF"/>
+                </a:solidFill>
+              </a14:hiddenFill>
+            </a:ext>
+          </a:extLst>
+        </p:spPr>
+      </p:pic>
       <p:sp>
         <p:nvSpPr>
-          <p:cNvPr id="2" name="Title 1"/>
+          <p:cNvPr id="9" name="Rechteck 8"/>
+          <p:cNvSpPr/>
+          <p:nvPr userDrawn="1"/>
+        </p:nvSpPr>
+        <p:spPr>
+          <a:xfrm>
+            <a:off x="-1" y="2918814"/>
+            <a:ext cx="9144000" cy="3939186"/>
+          </a:xfrm>
+          <a:prstGeom prst="rect">
+            <a:avLst/>
+          </a:prstGeom>
+          <a:solidFill>
+            <a:srgbClr val="F0F0F0"/>
+          </a:solidFill>
+          <a:ln>
+            <a:noFill/>
+          </a:ln>
+          <a:effectLst/>
+        </p:spPr>
+        <p:style>
+          <a:lnRef idx="2">
+            <a:schemeClr val="accent1">
+              <a:shade val="50000"/>
+            </a:schemeClr>
+          </a:lnRef>
+          <a:fillRef idx="1">
+            <a:schemeClr val="accent1"/>
+          </a:fillRef>
+          <a:effectRef idx="0">
+            <a:schemeClr val="accent1"/>
+          </a:effectRef>
+          <a:fontRef idx="minor">
+            <a:schemeClr val="lt1"/>
+          </a:fontRef>
+        </p:style>
+        <p:txBody>
+          <a:bodyPr rtlCol="0" anchor="ctr"/>
+          <a:lstStyle/>
+          <a:p>
+            <a:pPr algn="ctr"/>
+            <a:endParaRPr lang="de-DE"/>
+          </a:p>
+        </p:txBody>
+      </p:sp>
+      <p:sp>
+        <p:nvSpPr>
+          <p:cNvPr id="12" name="Titel 1"/>
           <p:cNvSpPr>
             <a:spLocks noGrp="1"/>
           </p:cNvSpPr>
@@ -541,94 +638,140 @@
         </p:nvSpPr>
         <p:spPr>
           <a:xfrm>
-            <a:off x="685800" y="1122363"/>
-            <a:ext cx="7772400" cy="2387600"/>
+            <a:off x="685800" y="3325158"/>
+            <a:ext cx="7772400" cy="929649"/>
           </a:xfrm>
         </p:spPr>
         <p:txBody>
-          <a:bodyPr anchor="b"/>
+          <a:bodyPr/>
           <a:lstStyle>
-            <a:lvl1pPr algn="ctr">
-              <a:defRPr sz="6000"/>
+            <a:lvl1pPr>
+              <a:defRPr/>
             </a:lvl1pPr>
           </a:lstStyle>
           <a:p>
             <a:r>
-              <a:rPr lang="de-DE"/>
-              <a:t>Titelmasterformat durch Klicken bearbeiten</a:t>
+              <a:rPr lang="de-DE" dirty="0"/>
+              <a:t>Titel</a:t>
             </a:r>
-            <a:endParaRPr lang="en-US" dirty="0"/>
           </a:p>
         </p:txBody>
       </p:sp>
       <p:sp>
         <p:nvSpPr>
-          <p:cNvPr id="3" name="Subtitle 2"/>
+          <p:cNvPr id="13" name="Untertitel 2"/>
           <p:cNvSpPr>
             <a:spLocks noGrp="1"/>
           </p:cNvSpPr>
           <p:nvPr>
-            <p:ph type="subTitle" idx="1"/>
+            <p:ph type="subTitle" idx="1" hasCustomPrompt="1"/>
           </p:nvPr>
         </p:nvSpPr>
         <p:spPr>
           <a:xfrm>
-            <a:off x="1143000" y="3602038"/>
-            <a:ext cx="6858000" cy="1655762"/>
+            <a:off x="1143000" y="4698112"/>
+            <a:ext cx="6858000" cy="737420"/>
           </a:xfrm>
         </p:spPr>
         <p:txBody>
-          <a:bodyPr/>
+          <a:bodyPr>
+            <a:normAutofit fontScale="77500" lnSpcReduction="20000"/>
+          </a:bodyPr>
           <a:lstStyle>
-            <a:lvl1pPr marL="0" indent="0" algn="ctr">
+            <a:lvl1pPr marL="0" indent="0">
               <a:buNone/>
-              <a:defRPr sz="2400"/>
+              <a:defRPr/>
             </a:lvl1pPr>
-            <a:lvl2pPr marL="457200" indent="0" algn="ctr">
-              <a:buNone/>
-              <a:defRPr sz="2000"/>
-            </a:lvl2pPr>
-            <a:lvl3pPr marL="914400" indent="0" algn="ctr">
-              <a:buNone/>
-              <a:defRPr sz="1800"/>
-            </a:lvl3pPr>
-            <a:lvl4pPr marL="1371600" indent="0" algn="ctr">
-              <a:buNone/>
-              <a:defRPr sz="1600"/>
-            </a:lvl4pPr>
-            <a:lvl5pPr marL="1828800" indent="0" algn="ctr">
-              <a:buNone/>
-              <a:defRPr sz="1600"/>
-            </a:lvl5pPr>
-            <a:lvl6pPr marL="2286000" indent="0" algn="ctr">
-              <a:buNone/>
-              <a:defRPr sz="1600"/>
-            </a:lvl6pPr>
-            <a:lvl7pPr marL="2743200" indent="0" algn="ctr">
-              <a:buNone/>
-              <a:defRPr sz="1600"/>
-            </a:lvl7pPr>
-            <a:lvl8pPr marL="3200400" indent="0" algn="ctr">
-              <a:buNone/>
-              <a:defRPr sz="1600"/>
-            </a:lvl8pPr>
-            <a:lvl9pPr marL="3657600" indent="0" algn="ctr">
-              <a:buNone/>
-              <a:defRPr sz="1600"/>
-            </a:lvl9pPr>
           </a:lstStyle>
           <a:p>
             <a:r>
-              <a:rPr lang="de-DE"/>
-              <a:t>Formatvorlage des Untertitelmasters durch Klicken bearbeiten</a:t>
+              <a:rPr lang="de-DE" sz="2000" dirty="0"/>
+              <a:t>Untertitel</a:t>
             </a:r>
-            <a:endParaRPr lang="en-US" dirty="0"/>
           </a:p>
         </p:txBody>
       </p:sp>
       <p:sp>
         <p:nvSpPr>
-          <p:cNvPr id="8" name="Textplatzhalter 7"/>
+          <p:cNvPr id="15" name="Textplatzhalter 4"/>
+          <p:cNvSpPr>
+            <a:spLocks noGrp="1"/>
+          </p:cNvSpPr>
+          <p:nvPr>
+            <p:ph type="body" sz="quarter" idx="14" hasCustomPrompt="1"/>
+          </p:nvPr>
+        </p:nvSpPr>
+        <p:spPr>
+          <a:xfrm>
+            <a:off x="6264234" y="2933872"/>
+            <a:ext cx="2879766" cy="275113"/>
+          </a:xfrm>
+        </p:spPr>
+        <p:txBody>
+          <a:bodyPr>
+            <a:normAutofit/>
+          </a:bodyPr>
+          <a:lstStyle>
+            <a:lvl1pPr marL="0" indent="0" algn="r">
+              <a:buNone/>
+              <a:defRPr sz="1100"/>
+            </a:lvl1pPr>
+          </a:lstStyle>
+          <a:p>
+            <a:r>
+              <a:rPr lang="de-DE" sz="1200" i="1" dirty="0"/>
+              <a:t>Präsentierende Person</a:t>
+            </a:r>
+          </a:p>
+        </p:txBody>
+      </p:sp>
+      <p:sp>
+        <p:nvSpPr>
+          <p:cNvPr id="16" name="Date Placeholder 3"/>
+          <p:cNvSpPr>
+            <a:spLocks noGrp="1"/>
+          </p:cNvSpPr>
+          <p:nvPr>
+            <p:ph type="dt" sz="half" idx="2"/>
+          </p:nvPr>
+        </p:nvSpPr>
+        <p:spPr>
+          <a:xfrm>
+            <a:off x="8259288" y="2"/>
+            <a:ext cx="884710" cy="302820"/>
+          </a:xfrm>
+          <a:prstGeom prst="rect">
+            <a:avLst/>
+          </a:prstGeom>
+          <a:solidFill>
+            <a:srgbClr val="F0F0F0"/>
+          </a:solidFill>
+          <a:effectLst>
+            <a:softEdge rad="0"/>
+          </a:effectLst>
+        </p:spPr>
+        <p:txBody>
+          <a:bodyPr vert="horz" wrap="none" lIns="91440" tIns="45720" rIns="91440" bIns="45720" rtlCol="0" anchor="ctr"/>
+          <a:lstStyle>
+            <a:lvl1pPr algn="l">
+              <a:defRPr sz="1200">
+                <a:solidFill>
+                  <a:schemeClr val="tx1"/>
+                </a:solidFill>
+              </a:defRPr>
+            </a:lvl1pPr>
+          </a:lstStyle>
+          <a:p>
+            <a:r>
+              <a:rPr lang="de-DE" dirty="0"/>
+              <a:t>11.01.2017</a:t>
+            </a:r>
+          </a:p>
+        </p:txBody>
+      </p:sp>
+      <p:sp>
+        <p:nvSpPr>
+          <p:cNvPr id="14" name="Textplatzhalter 3"/>
           <p:cNvSpPr>
             <a:spLocks noGrp="1"/>
           </p:cNvSpPr>
@@ -638,110 +781,23 @@
         </p:nvSpPr>
         <p:spPr>
           <a:xfrm>
-            <a:off x="628650" y="6068291"/>
+            <a:off x="628650" y="6449798"/>
             <a:ext cx="7886700" cy="232002"/>
           </a:xfrm>
         </p:spPr>
         <p:txBody>
-          <a:bodyPr>
-            <a:noAutofit/>
-          </a:bodyPr>
+          <a:bodyPr/>
           <a:lstStyle>
             <a:lvl1pPr marL="0" indent="0">
               <a:buNone/>
-              <a:defRPr sz="1000"/>
+              <a:defRPr/>
             </a:lvl1pPr>
-            <a:lvl2pPr>
-              <a:defRPr sz="1200"/>
-            </a:lvl2pPr>
-            <a:lvl3pPr>
-              <a:defRPr sz="1100"/>
-            </a:lvl3pPr>
-            <a:lvl4pPr marL="1371600" indent="0">
-              <a:buNone/>
-              <a:defRPr sz="1050"/>
-            </a:lvl4pPr>
-            <a:lvl5pPr marL="1828800" indent="0">
-              <a:buNone/>
-              <a:defRPr sz="1050"/>
-            </a:lvl5pPr>
           </a:lstStyle>
           <a:p>
-            <a:pPr lvl="0"/>
+            <a:pPr algn="ctr"/>
             <a:r>
-              <a:rPr lang="de-DE" dirty="0"/>
+              <a:rPr lang="de-DE" sz="800" dirty="0"/>
               <a:t>Projektteilnehmer</a:t>
-            </a:r>
-          </a:p>
-        </p:txBody>
-      </p:sp>
-      <p:sp>
-        <p:nvSpPr>
-          <p:cNvPr id="11" name="Textplatzhalter 7"/>
-          <p:cNvSpPr>
-            <a:spLocks noGrp="1"/>
-          </p:cNvSpPr>
-          <p:nvPr>
-            <p:ph type="body" sz="quarter" idx="14" hasCustomPrompt="1"/>
-          </p:nvPr>
-        </p:nvSpPr>
-        <p:spPr>
-          <a:xfrm>
-            <a:off x="1142999" y="5353790"/>
-            <a:ext cx="6858001" cy="275113"/>
-          </a:xfrm>
-        </p:spPr>
-        <p:txBody>
-          <a:bodyPr>
-            <a:noAutofit/>
-          </a:bodyPr>
-          <a:lstStyle>
-            <a:lvl1pPr marL="0" indent="0">
-              <a:buNone/>
-              <a:defRPr sz="1400"/>
-            </a:lvl1pPr>
-            <a:lvl2pPr>
-              <a:defRPr sz="1200"/>
-            </a:lvl2pPr>
-            <a:lvl3pPr>
-              <a:defRPr sz="1100"/>
-            </a:lvl3pPr>
-            <a:lvl4pPr marL="1371600" indent="0">
-              <a:buNone/>
-              <a:defRPr sz="1050"/>
-            </a:lvl4pPr>
-            <a:lvl5pPr marL="1828800" indent="0">
-              <a:buNone/>
-              <a:defRPr sz="1050"/>
-            </a:lvl5pPr>
-          </a:lstStyle>
-          <a:p>
-            <a:pPr lvl="0"/>
-            <a:r>
-              <a:rPr lang="de-DE" dirty="0"/>
-              <a:t>Präsentation von Name</a:t>
-            </a:r>
-          </a:p>
-        </p:txBody>
-      </p:sp>
-      <p:sp>
-        <p:nvSpPr>
-          <p:cNvPr id="10" name="Datumsplatzhalter 9"/>
-          <p:cNvSpPr>
-            <a:spLocks noGrp="1"/>
-          </p:cNvSpPr>
-          <p:nvPr>
-            <p:ph type="dt" sz="half" idx="15"/>
-          </p:nvPr>
-        </p:nvSpPr>
-        <p:spPr/>
-        <p:txBody>
-          <a:bodyPr/>
-          <a:lstStyle/>
-          <a:p>
-            <a:r>
-              <a:rPr lang="de-DE"/>
-              <a:t>11.01.2017</a:t>
             </a:r>
           </a:p>
         </p:txBody>
@@ -1728,6 +1784,101 @@
           <a:chExt cx="0" cy="0"/>
         </a:xfrm>
       </p:grpSpPr>
+      <p:pic>
+        <p:nvPicPr>
+          <p:cNvPr id="1028" name="Picture 4" descr="https://img0.etsystatic.com/101/0/10603661/il_570xN.848797518_mbjt.jpg"/>
+          <p:cNvPicPr>
+            <a:picLocks noChangeAspect="1" noChangeArrowheads="1"/>
+          </p:cNvPicPr>
+          <p:nvPr/>
+        </p:nvPicPr>
+        <p:blipFill rotWithShape="1">
+          <a:blip r:embed="rId2">
+            <a:extLst>
+              <a:ext uri="{BEBA8EAE-BF5A-486C-A8C5-ECC9F3942E4B}">
+                <a14:imgProps xmlns:a14="http://schemas.microsoft.com/office/drawing/2010/main">
+                  <a14:imgLayer r:embed="rId3">
+                    <a14:imgEffect>
+                      <a14:sharpenSoften amount="-49000"/>
+                    </a14:imgEffect>
+                  </a14:imgLayer>
+                </a14:imgProps>
+              </a:ext>
+              <a:ext uri="{28A0092B-C50C-407E-A947-70E740481C1C}">
+                <a14:useLocalDpi xmlns:a14="http://schemas.microsoft.com/office/drawing/2010/main" val="0"/>
+              </a:ext>
+            </a:extLst>
+          </a:blip>
+          <a:srcRect t="48388" b="1"/>
+          <a:stretch/>
+        </p:blipFill>
+        <p:spPr bwMode="auto">
+          <a:xfrm>
+            <a:off x="-1" y="1"/>
+            <a:ext cx="9144000" cy="3378096"/>
+          </a:xfrm>
+          <a:prstGeom prst="rect">
+            <a:avLst/>
+          </a:prstGeom>
+          <a:noFill/>
+          <a:extLst>
+            <a:ext uri="{909E8E84-426E-40DD-AFC4-6F175D3DCCD1}">
+              <a14:hiddenFill xmlns:a14="http://schemas.microsoft.com/office/drawing/2010/main">
+                <a:solidFill>
+                  <a:srgbClr val="FFFFFF"/>
+                </a:solidFill>
+              </a14:hiddenFill>
+            </a:ext>
+          </a:extLst>
+        </p:spPr>
+      </p:pic>
+      <p:sp>
+        <p:nvSpPr>
+          <p:cNvPr id="40" name="Rechteck 39"/>
+          <p:cNvSpPr/>
+          <p:nvPr/>
+        </p:nvSpPr>
+        <p:spPr>
+          <a:xfrm>
+            <a:off x="-1" y="2918814"/>
+            <a:ext cx="9144000" cy="3939186"/>
+          </a:xfrm>
+          <a:prstGeom prst="rect">
+            <a:avLst/>
+          </a:prstGeom>
+          <a:solidFill>
+            <a:srgbClr val="F0F0F0"/>
+          </a:solidFill>
+          <a:ln>
+            <a:noFill/>
+          </a:ln>
+          <a:effectLst/>
+        </p:spPr>
+        <p:style>
+          <a:lnRef idx="2">
+            <a:schemeClr val="accent1">
+              <a:shade val="50000"/>
+            </a:schemeClr>
+          </a:lnRef>
+          <a:fillRef idx="1">
+            <a:schemeClr val="accent1"/>
+          </a:fillRef>
+          <a:effectRef idx="0">
+            <a:schemeClr val="accent1"/>
+          </a:effectRef>
+          <a:fontRef idx="minor">
+            <a:schemeClr val="lt1"/>
+          </a:fontRef>
+        </p:style>
+        <p:txBody>
+          <a:bodyPr rtlCol="0" anchor="ctr"/>
+          <a:lstStyle/>
+          <a:p>
+            <a:pPr algn="ctr"/>
+            <a:endParaRPr lang="de-DE"/>
+          </a:p>
+        </p:txBody>
+      </p:sp>
       <p:sp>
         <p:nvSpPr>
           <p:cNvPr id="2" name="Titel 1"/>
@@ -1762,12 +1913,47 @@
         </p:nvSpPr>
         <p:spPr/>
         <p:txBody>
-          <a:bodyPr/>
+          <a:bodyPr>
+            <a:normAutofit fontScale="77500" lnSpcReduction="20000"/>
+          </a:bodyPr>
           <a:lstStyle/>
           <a:p>
             <a:r>
-              <a:rPr lang="de-DE" dirty="0"/>
-              <a:t>Studienplan als Generierung von Workflows mit Compliance-Anforderungen: Planerstellung und Visualisierung</a:t>
+              <a:rPr lang="de-DE" sz="2000" dirty="0"/>
+              <a:t>Studienplan als Generierung von Workflows mit Compliance-Anforderungen: </a:t>
+            </a:r>
+          </a:p>
+          <a:p>
+            <a:r>
+              <a:rPr lang="de-DE" sz="2000" dirty="0"/>
+              <a:t>Planerstellung und Visualisierung</a:t>
+            </a:r>
+          </a:p>
+        </p:txBody>
+      </p:sp>
+      <p:sp>
+        <p:nvSpPr>
+          <p:cNvPr id="5" name="Textplatzhalter 4"/>
+          <p:cNvSpPr>
+            <a:spLocks noGrp="1"/>
+          </p:cNvSpPr>
+          <p:nvPr>
+            <p:ph type="body" sz="quarter" idx="14"/>
+          </p:nvPr>
+        </p:nvSpPr>
+        <p:spPr/>
+        <p:txBody>
+          <a:bodyPr>
+            <a:normAutofit/>
+          </a:bodyPr>
+          <a:lstStyle/>
+          <a:p>
+            <a:pPr marL="0" indent="0">
+              <a:buNone/>
+            </a:pPr>
+            <a:r>
+              <a:rPr lang="de-DE" sz="1050" i="1" dirty="0"/>
+              <a:t>von Hannes Kuchelmeister</a:t>
             </a:r>
           </a:p>
         </p:txBody>
@@ -1811,28 +1997,6 @@
           </a:p>
         </p:txBody>
       </p:sp>
-      <p:sp>
-        <p:nvSpPr>
-          <p:cNvPr id="5" name="Textplatzhalter 4"/>
-          <p:cNvSpPr>
-            <a:spLocks noGrp="1"/>
-          </p:cNvSpPr>
-          <p:nvPr>
-            <p:ph type="body" sz="quarter" idx="14"/>
-          </p:nvPr>
-        </p:nvSpPr>
-        <p:spPr/>
-        <p:txBody>
-          <a:bodyPr/>
-          <a:lstStyle/>
-          <a:p>
-            <a:r>
-              <a:rPr lang="de-DE" dirty="0"/>
-              <a:t>Präsentation von Hannes Kuchelmeister</a:t>
-            </a:r>
-          </a:p>
-        </p:txBody>
-      </p:sp>
     </p:spTree>
     <p:extLst>
       <p:ext uri="{BB962C8B-B14F-4D97-AF65-F5344CB8AC3E}">
@@ -1847,6 +2011,151 @@
 </file>
 
 <file path=ppt/slides/slide10.xml><?xml version="1.0" encoding="utf-8"?>
+<p:sld xmlns:a="http://schemas.openxmlformats.org/drawingml/2006/main" xmlns:r="http://schemas.openxmlformats.org/officeDocument/2006/relationships" xmlns:p="http://schemas.openxmlformats.org/presentationml/2006/main">
+  <p:cSld>
+    <p:spTree>
+      <p:nvGrpSpPr>
+        <p:cNvPr id="1" name=""/>
+        <p:cNvGrpSpPr/>
+        <p:nvPr/>
+      </p:nvGrpSpPr>
+      <p:grpSpPr>
+        <a:xfrm>
+          <a:off x="0" y="0"/>
+          <a:ext cx="0" cy="0"/>
+          <a:chOff x="0" y="0"/>
+          <a:chExt cx="0" cy="0"/>
+        </a:xfrm>
+      </p:grpSpPr>
+      <p:sp>
+        <p:nvSpPr>
+          <p:cNvPr id="2" name="Titel 1"/>
+          <p:cNvSpPr>
+            <a:spLocks noGrp="1"/>
+          </p:cNvSpPr>
+          <p:nvPr>
+            <p:ph type="title"/>
+          </p:nvPr>
+        </p:nvSpPr>
+        <p:spPr/>
+        <p:txBody>
+          <a:bodyPr/>
+          <a:lstStyle/>
+          <a:p>
+            <a:r>
+              <a:rPr lang="de-DE" dirty="0"/>
+              <a:t>Datenbank</a:t>
+            </a:r>
+          </a:p>
+        </p:txBody>
+      </p:sp>
+      <p:sp>
+        <p:nvSpPr>
+          <p:cNvPr id="3" name="Inhaltsplatzhalter 2"/>
+          <p:cNvSpPr>
+            <a:spLocks noGrp="1"/>
+          </p:cNvSpPr>
+          <p:nvPr>
+            <p:ph idx="1"/>
+          </p:nvPr>
+        </p:nvSpPr>
+        <p:spPr/>
+        <p:txBody>
+          <a:bodyPr/>
+          <a:lstStyle/>
+          <a:p>
+            <a:endParaRPr lang="de-DE"/>
+          </a:p>
+        </p:txBody>
+      </p:sp>
+      <p:sp>
+        <p:nvSpPr>
+          <p:cNvPr id="4" name="Datumsplatzhalter 3"/>
+          <p:cNvSpPr>
+            <a:spLocks noGrp="1"/>
+          </p:cNvSpPr>
+          <p:nvPr>
+            <p:ph type="dt" sz="half" idx="10"/>
+          </p:nvPr>
+        </p:nvSpPr>
+        <p:spPr/>
+        <p:txBody>
+          <a:bodyPr/>
+          <a:lstStyle/>
+          <a:p>
+            <a:r>
+              <a:rPr lang="de-DE"/>
+              <a:t>11.01.2017</a:t>
+            </a:r>
+          </a:p>
+        </p:txBody>
+      </p:sp>
+      <p:sp>
+        <p:nvSpPr>
+          <p:cNvPr id="5" name="Fußzeilenplatzhalter 4"/>
+          <p:cNvSpPr>
+            <a:spLocks noGrp="1"/>
+          </p:cNvSpPr>
+          <p:nvPr>
+            <p:ph type="ftr" sz="quarter" idx="11"/>
+          </p:nvPr>
+        </p:nvSpPr>
+        <p:spPr/>
+        <p:txBody>
+          <a:bodyPr/>
+          <a:lstStyle/>
+          <a:p>
+            <a:r>
+              <a:rPr lang="de-DE" sz="500" i="1"/>
+              <a:t>Studienplan als Generierung von Workflows mit Compliance-Anforderungen: Planerstellung und Visualisierung </a:t>
+            </a:r>
+          </a:p>
+          <a:p>
+            <a:r>
+              <a:rPr lang="de-DE" sz="600"/>
+              <a:t>Entwurfspräsentation - Hannes Kuchelmeister</a:t>
+            </a:r>
+            <a:endParaRPr lang="de-DE" sz="600" dirty="0"/>
+          </a:p>
+        </p:txBody>
+      </p:sp>
+      <p:sp>
+        <p:nvSpPr>
+          <p:cNvPr id="6" name="Foliennummernplatzhalter 5"/>
+          <p:cNvSpPr>
+            <a:spLocks noGrp="1"/>
+          </p:cNvSpPr>
+          <p:nvPr>
+            <p:ph type="sldNum" sz="quarter" idx="12"/>
+          </p:nvPr>
+        </p:nvSpPr>
+        <p:spPr/>
+        <p:txBody>
+          <a:bodyPr/>
+          <a:lstStyle/>
+          <a:p>
+            <a:fld id="{F3FA9306-867D-4B2C-AADB-CE522745B8B8}" type="slidenum">
+              <a:rPr lang="de-DE" smtClean="0"/>
+              <a:t>10</a:t>
+            </a:fld>
+            <a:endParaRPr lang="de-DE"/>
+          </a:p>
+        </p:txBody>
+      </p:sp>
+    </p:spTree>
+    <p:extLst>
+      <p:ext uri="{BB962C8B-B14F-4D97-AF65-F5344CB8AC3E}">
+        <p14:creationId xmlns:p14="http://schemas.microsoft.com/office/powerpoint/2010/main" val="3656001993"/>
+      </p:ext>
+    </p:extLst>
+  </p:cSld>
+  <p:clrMapOvr>
+    <a:masterClrMapping/>
+  </p:clrMapOvr>
+</p:sld>
+</file>
+
+<file path=ppt/slides/slide11.xml><?xml version="1.0" encoding="utf-8"?>
 <p:sld xmlns:a="http://schemas.openxmlformats.org/drawingml/2006/main" xmlns:r="http://schemas.openxmlformats.org/officeDocument/2006/relationships" xmlns:p="http://schemas.openxmlformats.org/presentationml/2006/main">
   <p:cSld>
     <p:spTree>
@@ -1972,7 +2281,7 @@
           <a:p>
             <a:fld id="{F3FA9306-867D-4B2C-AADB-CE522745B8B8}" type="slidenum">
               <a:rPr lang="de-DE" smtClean="0"/>
-              <a:t>10</a:t>
+              <a:t>11</a:t>
             </a:fld>
             <a:endParaRPr lang="de-DE"/>
           </a:p>
@@ -1991,7 +2300,7 @@
 </p:sld>
 </file>
 
-<file path=ppt/slides/slide11.xml><?xml version="1.0" encoding="utf-8"?>
+<file path=ppt/slides/slide12.xml><?xml version="1.0" encoding="utf-8"?>
 <p:sld xmlns:a="http://schemas.openxmlformats.org/drawingml/2006/main" xmlns:r="http://schemas.openxmlformats.org/officeDocument/2006/relationships" xmlns:p="http://schemas.openxmlformats.org/presentationml/2006/main">
   <p:cSld>
     <p:spTree>
@@ -2117,7 +2426,7 @@
           <a:p>
             <a:fld id="{F3FA9306-867D-4B2C-AADB-CE522745B8B8}" type="slidenum">
               <a:rPr lang="de-DE" smtClean="0"/>
-              <a:t>11</a:t>
+              <a:t>12</a:t>
             </a:fld>
             <a:endParaRPr lang="de-DE"/>
           </a:p>
@@ -2317,25 +2626,6 @@
               <a:rPr lang="de-DE" dirty="0"/>
               <a:t>Pakete und Funktion</a:t>
             </a:r>
-          </a:p>
-        </p:txBody>
-      </p:sp>
-      <p:sp>
-        <p:nvSpPr>
-          <p:cNvPr id="3" name="Inhaltsplatzhalter 2"/>
-          <p:cNvSpPr>
-            <a:spLocks noGrp="1"/>
-          </p:cNvSpPr>
-          <p:nvPr>
-            <p:ph idx="1"/>
-          </p:nvPr>
-        </p:nvSpPr>
-        <p:spPr/>
-        <p:txBody>
-          <a:bodyPr/>
-          <a:lstStyle/>
-          <a:p>
-            <a:endParaRPr lang="de-DE"/>
           </a:p>
         </p:txBody>
       </p:sp>
@@ -2735,6 +3025,156 @@
       </p:grpSpPr>
       <p:sp>
         <p:nvSpPr>
+          <p:cNvPr id="2" name="Titel 1"/>
+          <p:cNvSpPr>
+            <a:spLocks noGrp="1"/>
+          </p:cNvSpPr>
+          <p:nvPr>
+            <p:ph type="title"/>
+          </p:nvPr>
+        </p:nvSpPr>
+        <p:spPr/>
+        <p:txBody>
+          <a:bodyPr/>
+          <a:lstStyle/>
+          <a:p>
+            <a:endParaRPr lang="de-DE" dirty="0"/>
+          </a:p>
+        </p:txBody>
+      </p:sp>
+      <p:sp>
+        <p:nvSpPr>
+          <p:cNvPr id="3" name="Inhaltsplatzhalter 2"/>
+          <p:cNvSpPr>
+            <a:spLocks noGrp="1"/>
+          </p:cNvSpPr>
+          <p:nvPr>
+            <p:ph idx="1"/>
+          </p:nvPr>
+        </p:nvSpPr>
+        <p:spPr/>
+        <p:txBody>
+          <a:bodyPr/>
+          <a:lstStyle/>
+          <a:p>
+            <a:endParaRPr lang="de-DE"/>
+          </a:p>
+        </p:txBody>
+      </p:sp>
+      <p:sp>
+        <p:nvSpPr>
+          <p:cNvPr id="4" name="Datumsplatzhalter 3"/>
+          <p:cNvSpPr>
+            <a:spLocks noGrp="1"/>
+          </p:cNvSpPr>
+          <p:nvPr>
+            <p:ph type="dt" sz="half" idx="10"/>
+          </p:nvPr>
+        </p:nvSpPr>
+        <p:spPr/>
+        <p:txBody>
+          <a:bodyPr/>
+          <a:lstStyle/>
+          <a:p>
+            <a:r>
+              <a:rPr lang="de-DE"/>
+              <a:t>11.01.2017</a:t>
+            </a:r>
+          </a:p>
+        </p:txBody>
+      </p:sp>
+      <p:sp>
+        <p:nvSpPr>
+          <p:cNvPr id="5" name="Fußzeilenplatzhalter 4"/>
+          <p:cNvSpPr>
+            <a:spLocks noGrp="1"/>
+          </p:cNvSpPr>
+          <p:nvPr>
+            <p:ph type="ftr" sz="quarter" idx="11"/>
+          </p:nvPr>
+        </p:nvSpPr>
+        <p:spPr/>
+        <p:txBody>
+          <a:bodyPr/>
+          <a:lstStyle/>
+          <a:p>
+            <a:r>
+              <a:rPr lang="de-DE" sz="500" i="1"/>
+              <a:t>Studienplan als Generierung von Workflows mit Compliance-Anforderungen: Planerstellung und Visualisierung </a:t>
+            </a:r>
+          </a:p>
+          <a:p>
+            <a:r>
+              <a:rPr lang="de-DE" sz="600"/>
+              <a:t>Entwurfspräsentation - Hannes Kuchelmeister</a:t>
+            </a:r>
+            <a:endParaRPr lang="de-DE" sz="600" dirty="0"/>
+          </a:p>
+        </p:txBody>
+      </p:sp>
+      <p:sp>
+        <p:nvSpPr>
+          <p:cNvPr id="6" name="Foliennummernplatzhalter 5"/>
+          <p:cNvSpPr>
+            <a:spLocks noGrp="1"/>
+          </p:cNvSpPr>
+          <p:nvPr>
+            <p:ph type="sldNum" sz="quarter" idx="12"/>
+          </p:nvPr>
+        </p:nvSpPr>
+        <p:spPr/>
+        <p:txBody>
+          <a:bodyPr/>
+          <a:lstStyle/>
+          <a:p>
+            <a:fld id="{F3FA9306-867D-4B2C-AADB-CE522745B8B8}" type="slidenum">
+              <a:rPr lang="de-DE" smtClean="0"/>
+              <a:t>6</a:t>
+            </a:fld>
+            <a:endParaRPr lang="de-DE"/>
+          </a:p>
+        </p:txBody>
+      </p:sp>
+    </p:spTree>
+    <p:extLst>
+      <p:ext uri="{BB962C8B-B14F-4D97-AF65-F5344CB8AC3E}">
+        <p14:creationId xmlns:p14="http://schemas.microsoft.com/office/powerpoint/2010/main" val="4049842892"/>
+      </p:ext>
+    </p:extLst>
+  </p:cSld>
+  <p:clrMapOvr>
+    <a:masterClrMapping/>
+  </p:clrMapOvr>
+</p:sld>
+</file>
+
+<file path=ppt/slides/slide7.xml><?xml version="1.0" encoding="utf-8"?>
+<p:sld xmlns:a="http://schemas.openxmlformats.org/drawingml/2006/main" xmlns:r="http://schemas.openxmlformats.org/officeDocument/2006/relationships" xmlns:p="http://schemas.openxmlformats.org/presentationml/2006/main">
+  <p:cSld>
+    <p:bg>
+      <p:bgPr>
+        <a:solidFill>
+          <a:srgbClr val="F2F2F2"/>
+        </a:solidFill>
+        <a:effectLst/>
+      </p:bgPr>
+    </p:bg>
+    <p:spTree>
+      <p:nvGrpSpPr>
+        <p:cNvPr id="1" name=""/>
+        <p:cNvGrpSpPr/>
+        <p:nvPr/>
+      </p:nvGrpSpPr>
+      <p:grpSpPr>
+        <a:xfrm>
+          <a:off x="0" y="0"/>
+          <a:ext cx="0" cy="0"/>
+          <a:chOff x="0" y="0"/>
+          <a:chExt cx="0" cy="0"/>
+        </a:xfrm>
+      </p:grpSpPr>
+      <p:sp>
+        <p:nvSpPr>
           <p:cNvPr id="10" name="Rectangle 9"/>
           <p:cNvSpPr>
             <a:spLocks noGrp="1" noRot="1" noChangeAspect="1" noMove="1" noResize="1" noEditPoints="1" noAdjustHandles="1" noChangeArrowheads="1" noChangeShapeType="1" noTextEdit="1"/>
@@ -2959,7 +3399,7 @@
                 </a:solidFill>
               </a:rPr>
               <a:pPr defTabSz="914400"/>
-              <a:t>6</a:t>
+              <a:t>7</a:t>
             </a:fld>
             <a:endParaRPr lang="en-US">
               <a:solidFill>
@@ -7877,13 +8317,13 @@
   <p:clrMapOvr>
     <a:masterClrMapping/>
   </p:clrMapOvr>
-  <mc:AlternateContent xmlns:mc="http://schemas.openxmlformats.org/markup-compatibility/2006">
-    <mc:Choice xmlns:p14="http://schemas.microsoft.com/office/powerpoint/2010/main" Requires="p14">
+  <mc:AlternateContent xmlns:mc="http://schemas.openxmlformats.org/markup-compatibility/2006" xmlns:p14="http://schemas.microsoft.com/office/powerpoint/2010/main">
+    <mc:Choice Requires="p14">
       <p:transition spd="med">
         <p14:prism isContent="1"/>
       </p:transition>
     </mc:Choice>
-    <mc:Fallback>
+    <mc:Fallback xmlns="">
       <p:transition spd="med">
         <p:fade/>
       </p:transition>
@@ -7892,7 +8332,7 @@
 </p:sld>
 </file>
 
-<file path=ppt/slides/slide7.xml><?xml version="1.0" encoding="utf-8"?>
+<file path=ppt/slides/slide8.xml><?xml version="1.0" encoding="utf-8"?>
 <p:sld xmlns:a="http://schemas.openxmlformats.org/drawingml/2006/main" xmlns:r="http://schemas.openxmlformats.org/officeDocument/2006/relationships" xmlns:p="http://schemas.openxmlformats.org/presentationml/2006/main">
   <p:cSld>
     <p:spTree>
@@ -7977,7 +8417,7 @@
           <a:p>
             <a:fld id="{F3FA9306-867D-4B2C-AADB-CE522745B8B8}" type="slidenum">
               <a:rPr lang="de-DE" smtClean="0"/>
-              <a:t>7</a:t>
+              <a:t>8</a:t>
             </a:fld>
             <a:endParaRPr lang="de-DE"/>
           </a:p>
@@ -12858,13 +13298,13 @@
   <p:clrMapOvr>
     <a:masterClrMapping/>
   </p:clrMapOvr>
-  <mc:AlternateContent xmlns:mc="http://schemas.openxmlformats.org/markup-compatibility/2006">
-    <mc:Choice xmlns:p159="http://schemas.microsoft.com/office/powerpoint/2015/09/main" Requires="p159">
+  <mc:AlternateContent xmlns:mc="http://schemas.openxmlformats.org/markup-compatibility/2006" xmlns:p159="http://schemas.microsoft.com/office/powerpoint/2015/09/main">
+    <mc:Choice Requires="p159">
       <p:transition spd="med">
         <p159:morph option="byObject"/>
       </p:transition>
     </mc:Choice>
-    <mc:Fallback>
+    <mc:Fallback xmlns="">
       <p:transition spd="med">
         <p:fade/>
       </p:transition>
@@ -12873,7 +13313,7 @@
 </p:sld>
 </file>
 
-<file path=ppt/slides/slide8.xml><?xml version="1.0" encoding="utf-8"?>
+<file path=ppt/slides/slide9.xml><?xml version="1.0" encoding="utf-8"?>
 <p:sld xmlns:a="http://schemas.openxmlformats.org/drawingml/2006/main" xmlns:r="http://schemas.openxmlformats.org/officeDocument/2006/relationships" xmlns:p="http://schemas.openxmlformats.org/presentationml/2006/main">
   <p:cSld>
     <p:spTree>
@@ -12958,7 +13398,7 @@
           <a:p>
             <a:fld id="{F3FA9306-867D-4B2C-AADB-CE522745B8B8}" type="slidenum">
               <a:rPr lang="de-DE" smtClean="0"/>
-              <a:t>8</a:t>
+              <a:t>9</a:t>
             </a:fld>
             <a:endParaRPr lang="de-DE"/>
           </a:p>
@@ -17839,163 +18279,18 @@
   <p:clrMapOvr>
     <a:masterClrMapping/>
   </p:clrMapOvr>
-  <mc:AlternateContent xmlns:mc="http://schemas.openxmlformats.org/markup-compatibility/2006">
-    <mc:Choice xmlns:p159="http://schemas.microsoft.com/office/powerpoint/2015/09/main" Requires="p159">
+  <mc:AlternateContent xmlns:mc="http://schemas.openxmlformats.org/markup-compatibility/2006" xmlns:p159="http://schemas.microsoft.com/office/powerpoint/2015/09/main">
+    <mc:Choice Requires="p159">
       <p:transition spd="med">
         <p159:morph option="byObject"/>
       </p:transition>
     </mc:Choice>
-    <mc:Fallback>
+    <mc:Fallback xmlns="">
       <p:transition spd="med">
         <p:fade/>
       </p:transition>
     </mc:Fallback>
   </mc:AlternateContent>
-</p:sld>
-</file>
-
-<file path=ppt/slides/slide9.xml><?xml version="1.0" encoding="utf-8"?>
-<p:sld xmlns:a="http://schemas.openxmlformats.org/drawingml/2006/main" xmlns:r="http://schemas.openxmlformats.org/officeDocument/2006/relationships" xmlns:p="http://schemas.openxmlformats.org/presentationml/2006/main">
-  <p:cSld>
-    <p:spTree>
-      <p:nvGrpSpPr>
-        <p:cNvPr id="1" name=""/>
-        <p:cNvGrpSpPr/>
-        <p:nvPr/>
-      </p:nvGrpSpPr>
-      <p:grpSpPr>
-        <a:xfrm>
-          <a:off x="0" y="0"/>
-          <a:ext cx="0" cy="0"/>
-          <a:chOff x="0" y="0"/>
-          <a:chExt cx="0" cy="0"/>
-        </a:xfrm>
-      </p:grpSpPr>
-      <p:sp>
-        <p:nvSpPr>
-          <p:cNvPr id="2" name="Titel 1"/>
-          <p:cNvSpPr>
-            <a:spLocks noGrp="1"/>
-          </p:cNvSpPr>
-          <p:nvPr>
-            <p:ph type="title"/>
-          </p:nvPr>
-        </p:nvSpPr>
-        <p:spPr/>
-        <p:txBody>
-          <a:bodyPr/>
-          <a:lstStyle/>
-          <a:p>
-            <a:r>
-              <a:rPr lang="de-DE" dirty="0"/>
-              <a:t>Datenbank</a:t>
-            </a:r>
-          </a:p>
-        </p:txBody>
-      </p:sp>
-      <p:sp>
-        <p:nvSpPr>
-          <p:cNvPr id="3" name="Inhaltsplatzhalter 2"/>
-          <p:cNvSpPr>
-            <a:spLocks noGrp="1"/>
-          </p:cNvSpPr>
-          <p:nvPr>
-            <p:ph idx="1"/>
-          </p:nvPr>
-        </p:nvSpPr>
-        <p:spPr/>
-        <p:txBody>
-          <a:bodyPr/>
-          <a:lstStyle/>
-          <a:p>
-            <a:endParaRPr lang="de-DE"/>
-          </a:p>
-        </p:txBody>
-      </p:sp>
-      <p:sp>
-        <p:nvSpPr>
-          <p:cNvPr id="4" name="Datumsplatzhalter 3"/>
-          <p:cNvSpPr>
-            <a:spLocks noGrp="1"/>
-          </p:cNvSpPr>
-          <p:nvPr>
-            <p:ph type="dt" sz="half" idx="10"/>
-          </p:nvPr>
-        </p:nvSpPr>
-        <p:spPr/>
-        <p:txBody>
-          <a:bodyPr/>
-          <a:lstStyle/>
-          <a:p>
-            <a:r>
-              <a:rPr lang="de-DE"/>
-              <a:t>11.01.2017</a:t>
-            </a:r>
-          </a:p>
-        </p:txBody>
-      </p:sp>
-      <p:sp>
-        <p:nvSpPr>
-          <p:cNvPr id="5" name="Fußzeilenplatzhalter 4"/>
-          <p:cNvSpPr>
-            <a:spLocks noGrp="1"/>
-          </p:cNvSpPr>
-          <p:nvPr>
-            <p:ph type="ftr" sz="quarter" idx="11"/>
-          </p:nvPr>
-        </p:nvSpPr>
-        <p:spPr/>
-        <p:txBody>
-          <a:bodyPr/>
-          <a:lstStyle/>
-          <a:p>
-            <a:r>
-              <a:rPr lang="de-DE" sz="500" i="1"/>
-              <a:t>Studienplan als Generierung von Workflows mit Compliance-Anforderungen: Planerstellung und Visualisierung </a:t>
-            </a:r>
-          </a:p>
-          <a:p>
-            <a:r>
-              <a:rPr lang="de-DE" sz="600"/>
-              <a:t>Entwurfspräsentation - Hannes Kuchelmeister</a:t>
-            </a:r>
-            <a:endParaRPr lang="de-DE" sz="600" dirty="0"/>
-          </a:p>
-        </p:txBody>
-      </p:sp>
-      <p:sp>
-        <p:nvSpPr>
-          <p:cNvPr id="6" name="Foliennummernplatzhalter 5"/>
-          <p:cNvSpPr>
-            <a:spLocks noGrp="1"/>
-          </p:cNvSpPr>
-          <p:nvPr>
-            <p:ph type="sldNum" sz="quarter" idx="12"/>
-          </p:nvPr>
-        </p:nvSpPr>
-        <p:spPr/>
-        <p:txBody>
-          <a:bodyPr/>
-          <a:lstStyle/>
-          <a:p>
-            <a:fld id="{F3FA9306-867D-4B2C-AADB-CE522745B8B8}" type="slidenum">
-              <a:rPr lang="de-DE" smtClean="0"/>
-              <a:t>9</a:t>
-            </a:fld>
-            <a:endParaRPr lang="de-DE"/>
-          </a:p>
-        </p:txBody>
-      </p:sp>
-    </p:spTree>
-    <p:extLst>
-      <p:ext uri="{BB962C8B-B14F-4D97-AF65-F5344CB8AC3E}">
-        <p14:creationId xmlns:p14="http://schemas.microsoft.com/office/powerpoint/2010/main" val="3656001993"/>
-      </p:ext>
-    </p:extLst>
-  </p:cSld>
-  <p:clrMapOvr>
-    <a:masterClrMapping/>
-  </p:clrMapOvr>
 </p:sld>
 </file>
 
@@ -18553,4 +18848,18 @@
     </a:ext>
   </a:extLst>
 </a:theme>
+</file>
+
+<file path=customXml/item1.xml><?xml version="1.0" encoding="utf-8"?>
+<Control xmlns="http://schemas.microsoft.com/VisualStudio/2011/storyboarding/control">
+  <Id Name="System.Storyboarding.Backgrounds.DesktopTaskbar" Revision="1" Stencil="System.Storyboarding.Backgrounds" StencilVersion="0.1"/>
+</Control>
+</file>
+
+<file path=customXml/itemProps1.xml><?xml version="1.0" encoding="utf-8"?>
+<ds:datastoreItem xmlns:ds="http://schemas.openxmlformats.org/officeDocument/2006/customXml" ds:itemID="{F7DFCE90-C299-4BB4-8401-6C4E0CFFE17F}">
+  <ds:schemaRefs>
+    <ds:schemaRef ds:uri="http://schemas.microsoft.com/VisualStudio/2011/storyboarding/control"/>
+  </ds:schemaRefs>
+</ds:datastoreItem>
 </file>